--- a/說明文件.pptx
+++ b/說明文件.pptx
@@ -9,28 +9,28 @@
   </p:notesMasterIdLst>
   <p:sldIdLst>
     <p:sldId id="267" r:id="rId2"/>
-    <p:sldId id="278" r:id="rId3"/>
-    <p:sldId id="276" r:id="rId4"/>
-    <p:sldId id="279" r:id="rId5"/>
-    <p:sldId id="280" r:id="rId6"/>
-    <p:sldId id="281" r:id="rId7"/>
-    <p:sldId id="282" r:id="rId8"/>
-    <p:sldId id="283" r:id="rId9"/>
-    <p:sldId id="284" r:id="rId10"/>
-    <p:sldId id="285" r:id="rId11"/>
-    <p:sldId id="286" r:id="rId12"/>
-    <p:sldId id="287" r:id="rId13"/>
-    <p:sldId id="288" r:id="rId14"/>
-    <p:sldId id="289" r:id="rId15"/>
-    <p:sldId id="292" r:id="rId16"/>
-    <p:sldId id="294" r:id="rId17"/>
-    <p:sldId id="295" r:id="rId18"/>
+    <p:sldId id="300" r:id="rId3"/>
+    <p:sldId id="296" r:id="rId4"/>
+    <p:sldId id="278" r:id="rId5"/>
+    <p:sldId id="276" r:id="rId6"/>
+    <p:sldId id="279" r:id="rId7"/>
+    <p:sldId id="280" r:id="rId8"/>
+    <p:sldId id="281" r:id="rId9"/>
+    <p:sldId id="282" r:id="rId10"/>
+    <p:sldId id="283" r:id="rId11"/>
+    <p:sldId id="284" r:id="rId12"/>
+    <p:sldId id="285" r:id="rId13"/>
+    <p:sldId id="286" r:id="rId14"/>
+    <p:sldId id="287" r:id="rId15"/>
+    <p:sldId id="288" r:id="rId16"/>
+    <p:sldId id="289" r:id="rId17"/>
+    <p:sldId id="299" r:id="rId18"/>
     <p:sldId id="293" r:id="rId19"/>
-    <p:sldId id="290" r:id="rId20"/>
-    <p:sldId id="291" r:id="rId21"/>
-    <p:sldId id="296" r:id="rId22"/>
-    <p:sldId id="297" r:id="rId23"/>
-    <p:sldId id="298" r:id="rId24"/>
+    <p:sldId id="292" r:id="rId20"/>
+    <p:sldId id="294" r:id="rId21"/>
+    <p:sldId id="295" r:id="rId22"/>
+    <p:sldId id="290" r:id="rId23"/>
+    <p:sldId id="291" r:id="rId24"/>
   </p:sldIdLst>
   <p:sldSz cx="12192000" cy="6858000"/>
   <p:notesSz cx="6858000" cy="9144000"/>
@@ -231,7 +231,7 @@
           <a:p>
             <a:fld id="{56FD5D91-8462-4A5C-B6D5-71632284A816}" type="datetimeFigureOut">
               <a:rPr lang="en-MY" smtClean="0"/>
-              <a:t>23/6/2022</a:t>
+              <a:t>24/6/2022</a:t>
             </a:fld>
             <a:endParaRPr lang="en-MY"/>
           </a:p>
@@ -726,7 +726,7 @@
           <a:p>
             <a:fld id="{4BCC39F9-06F4-4623-94E7-60450B8B08E9}" type="datetimeFigureOut">
               <a:rPr lang="zh-TW" altLang="en-US" smtClean="0"/>
-              <a:t>2022/6/23</a:t>
+              <a:t>2022/6/24</a:t>
             </a:fld>
             <a:endParaRPr lang="zh-TW" altLang="en-US"/>
           </a:p>
@@ -974,7 +974,7 @@
           <a:p>
             <a:fld id="{4BCC39F9-06F4-4623-94E7-60450B8B08E9}" type="datetimeFigureOut">
               <a:rPr lang="zh-TW" altLang="en-US" smtClean="0"/>
-              <a:t>2022/6/23</a:t>
+              <a:t>2022/6/24</a:t>
             </a:fld>
             <a:endParaRPr lang="zh-TW" altLang="en-US"/>
           </a:p>
@@ -1206,7 +1206,7 @@
           <a:p>
             <a:fld id="{4BCC39F9-06F4-4623-94E7-60450B8B08E9}" type="datetimeFigureOut">
               <a:rPr lang="zh-TW" altLang="en-US" smtClean="0"/>
-              <a:t>2022/6/23</a:t>
+              <a:t>2022/6/24</a:t>
             </a:fld>
             <a:endParaRPr lang="zh-TW" altLang="en-US"/>
           </a:p>
@@ -1573,7 +1573,7 @@
           <a:p>
             <a:fld id="{4BCC39F9-06F4-4623-94E7-60450B8B08E9}" type="datetimeFigureOut">
               <a:rPr lang="zh-TW" altLang="en-US" smtClean="0"/>
-              <a:t>2022/6/23</a:t>
+              <a:t>2022/6/24</a:t>
             </a:fld>
             <a:endParaRPr lang="zh-TW" altLang="en-US"/>
           </a:p>
@@ -1693,7 +1693,7 @@
           <a:p>
             <a:fld id="{4BCC39F9-06F4-4623-94E7-60450B8B08E9}" type="datetimeFigureOut">
               <a:rPr lang="zh-TW" altLang="en-US" smtClean="0"/>
-              <a:t>2022/6/23</a:t>
+              <a:t>2022/6/24</a:t>
             </a:fld>
             <a:endParaRPr lang="zh-TW" altLang="en-US"/>
           </a:p>
@@ -1791,7 +1791,7 @@
           <a:p>
             <a:fld id="{4BCC39F9-06F4-4623-94E7-60450B8B08E9}" type="datetimeFigureOut">
               <a:rPr lang="zh-TW" altLang="en-US" smtClean="0"/>
-              <a:t>2022/6/23</a:t>
+              <a:t>2022/6/24</a:t>
             </a:fld>
             <a:endParaRPr lang="zh-TW" altLang="en-US"/>
           </a:p>
@@ -2069,7 +2069,7 @@
           <a:p>
             <a:fld id="{4BCC39F9-06F4-4623-94E7-60450B8B08E9}" type="datetimeFigureOut">
               <a:rPr lang="zh-TW" altLang="en-US" smtClean="0"/>
-              <a:t>2022/6/23</a:t>
+              <a:t>2022/6/24</a:t>
             </a:fld>
             <a:endParaRPr lang="zh-TW" altLang="en-US"/>
           </a:p>
@@ -2327,7 +2327,7 @@
           <a:p>
             <a:fld id="{4BCC39F9-06F4-4623-94E7-60450B8B08E9}" type="datetimeFigureOut">
               <a:rPr lang="zh-TW" altLang="en-US" smtClean="0"/>
-              <a:t>2022/6/23</a:t>
+              <a:t>2022/6/24</a:t>
             </a:fld>
             <a:endParaRPr lang="zh-TW" altLang="en-US"/>
           </a:p>
@@ -2498,7 +2498,7 @@
           <a:p>
             <a:fld id="{4BCC39F9-06F4-4623-94E7-60450B8B08E9}" type="datetimeFigureOut">
               <a:rPr lang="zh-TW" altLang="en-US" smtClean="0"/>
-              <a:t>2022/6/23</a:t>
+              <a:t>2022/6/24</a:t>
             </a:fld>
             <a:endParaRPr lang="zh-TW" altLang="en-US"/>
           </a:p>
@@ -2679,7 +2679,7 @@
           <a:p>
             <a:fld id="{4BCC39F9-06F4-4623-94E7-60450B8B08E9}" type="datetimeFigureOut">
               <a:rPr lang="zh-TW" altLang="en-US" smtClean="0"/>
-              <a:t>2022/6/23</a:t>
+              <a:t>2022/6/24</a:t>
             </a:fld>
             <a:endParaRPr lang="zh-TW" altLang="en-US"/>
           </a:p>
@@ -2838,7 +2838,7 @@
           <a:p>
             <a:fld id="{0F2C4B1E-A71E-4732-883E-57C82D86CF48}" type="datetime1">
               <a:rPr lang="zh-TW" altLang="en-US" smtClean="0"/>
-              <a:t>2022/6/23</a:t>
+              <a:t>2022/6/24</a:t>
             </a:fld>
             <a:endParaRPr lang="zh-TW" altLang="en-US"/>
           </a:p>
@@ -3196,7 +3196,7 @@
           <a:p>
             <a:fld id="{EF0D1E57-3D2D-486C-ABB3-5CB8FCFF9216}" type="datetime1">
               <a:rPr lang="zh-TW" altLang="en-US" smtClean="0"/>
-              <a:t>2022/6/23</a:t>
+              <a:t>2022/6/24</a:t>
             </a:fld>
             <a:endParaRPr lang="zh-TW" altLang="en-US"/>
           </a:p>
@@ -4820,7 +4820,7 @@
           <a:p>
             <a:fld id="{4BCC39F9-06F4-4623-94E7-60450B8B08E9}" type="datetimeFigureOut">
               <a:rPr lang="zh-TW" altLang="en-US" smtClean="0"/>
-              <a:t>2022/6/23</a:t>
+              <a:t>2022/6/24</a:t>
             </a:fld>
             <a:endParaRPr lang="zh-TW" altLang="en-US"/>
           </a:p>
@@ -5373,6 +5373,493 @@
           <a:lstStyle/>
           <a:p>
             <a:r>
+              <a:rPr lang="en-US" dirty="0" smtClean="0"/>
+              <a:t>Project </a:t>
+            </a:r>
+            <a:r>
+              <a:rPr lang="zh-CN" altLang="en-US" dirty="0" smtClean="0"/>
+              <a:t>設定</a:t>
+            </a:r>
+            <a:endParaRPr lang="en-MY" dirty="0"/>
+          </a:p>
+        </p:txBody>
+      </p:sp>
+      <p:sp>
+        <p:nvSpPr>
+          <p:cNvPr id="3" name="內容版面配置區 2"/>
+          <p:cNvSpPr>
+            <a:spLocks noGrp="1"/>
+          </p:cNvSpPr>
+          <p:nvPr>
+            <p:ph idx="1"/>
+          </p:nvPr>
+        </p:nvSpPr>
+        <p:spPr/>
+        <p:txBody>
+          <a:bodyPr>
+            <a:normAutofit/>
+          </a:bodyPr>
+          <a:lstStyle/>
+          <a:p>
+            <a:r>
+              <a:rPr lang="zh-CN" altLang="en-US" sz="2000" dirty="0" smtClean="0">
+                <a:latin typeface="Calibri (本文)"/>
+              </a:rPr>
+              <a:t>右鍵</a:t>
+            </a:r>
+            <a:r>
+              <a:rPr lang="en-US" altLang="zh-CN" sz="2000" dirty="0" smtClean="0">
+                <a:latin typeface="Calibri (本文)"/>
+              </a:rPr>
+              <a:t>-&gt;Properties-&gt;VC++ Directories</a:t>
+            </a:r>
+            <a:endParaRPr lang="en-MY" sz="2000" dirty="0">
+              <a:latin typeface="Calibri (本文)"/>
+            </a:endParaRPr>
+          </a:p>
+        </p:txBody>
+      </p:sp>
+      <p:pic>
+        <p:nvPicPr>
+          <p:cNvPr id="5" name="圖片 4"/>
+          <p:cNvPicPr>
+            <a:picLocks noChangeAspect="1"/>
+          </p:cNvPicPr>
+          <p:nvPr/>
+        </p:nvPicPr>
+        <p:blipFill rotWithShape="1">
+          <a:blip r:embed="rId2"/>
+          <a:srcRect l="543"/>
+          <a:stretch/>
+        </p:blipFill>
+        <p:spPr>
+          <a:xfrm>
+            <a:off x="1081378" y="2419235"/>
+            <a:ext cx="9216306" cy="3568097"/>
+          </a:xfrm>
+          <a:prstGeom prst="rect">
+            <a:avLst/>
+          </a:prstGeom>
+        </p:spPr>
+      </p:pic>
+      <p:sp>
+        <p:nvSpPr>
+          <p:cNvPr id="6" name="矩形 5"/>
+          <p:cNvSpPr/>
+          <p:nvPr/>
+        </p:nvSpPr>
+        <p:spPr>
+          <a:xfrm>
+            <a:off x="2536467" y="3188474"/>
+            <a:ext cx="7761218" cy="127220"/>
+          </a:xfrm>
+          <a:prstGeom prst="rect">
+            <a:avLst/>
+          </a:prstGeom>
+          <a:noFill/>
+          <a:ln>
+            <a:solidFill>
+              <a:srgbClr val="FF0000"/>
+            </a:solidFill>
+          </a:ln>
+        </p:spPr>
+        <p:style>
+          <a:lnRef idx="2">
+            <a:schemeClr val="accent1">
+              <a:shade val="50000"/>
+            </a:schemeClr>
+          </a:lnRef>
+          <a:fillRef idx="1">
+            <a:schemeClr val="accent1"/>
+          </a:fillRef>
+          <a:effectRef idx="0">
+            <a:schemeClr val="accent1"/>
+          </a:effectRef>
+          <a:fontRef idx="minor">
+            <a:schemeClr val="lt1"/>
+          </a:fontRef>
+        </p:style>
+        <p:txBody>
+          <a:bodyPr rtlCol="0" anchor="ctr"/>
+          <a:lstStyle/>
+          <a:p>
+            <a:pPr algn="ctr"/>
+            <a:endParaRPr lang="en-MY"/>
+          </a:p>
+        </p:txBody>
+      </p:sp>
+      <p:sp>
+        <p:nvSpPr>
+          <p:cNvPr id="7" name="矩形 6"/>
+          <p:cNvSpPr/>
+          <p:nvPr/>
+        </p:nvSpPr>
+        <p:spPr>
+          <a:xfrm>
+            <a:off x="2536466" y="3571462"/>
+            <a:ext cx="7761218" cy="127220"/>
+          </a:xfrm>
+          <a:prstGeom prst="rect">
+            <a:avLst/>
+          </a:prstGeom>
+          <a:noFill/>
+          <a:ln>
+            <a:solidFill>
+              <a:srgbClr val="FF0000"/>
+            </a:solidFill>
+          </a:ln>
+        </p:spPr>
+        <p:style>
+          <a:lnRef idx="2">
+            <a:schemeClr val="accent1">
+              <a:shade val="50000"/>
+            </a:schemeClr>
+          </a:lnRef>
+          <a:fillRef idx="1">
+            <a:schemeClr val="accent1"/>
+          </a:fillRef>
+          <a:effectRef idx="0">
+            <a:schemeClr val="accent1"/>
+          </a:effectRef>
+          <a:fontRef idx="minor">
+            <a:schemeClr val="lt1"/>
+          </a:fontRef>
+        </p:style>
+        <p:txBody>
+          <a:bodyPr rtlCol="0" anchor="ctr"/>
+          <a:lstStyle/>
+          <a:p>
+            <a:pPr algn="ctr"/>
+            <a:endParaRPr lang="en-MY"/>
+          </a:p>
+        </p:txBody>
+      </p:sp>
+    </p:spTree>
+    <p:extLst>
+      <p:ext uri="{BB962C8B-B14F-4D97-AF65-F5344CB8AC3E}">
+        <p14:creationId xmlns:p14="http://schemas.microsoft.com/office/powerpoint/2010/main" val="3144801538"/>
+      </p:ext>
+    </p:extLst>
+  </p:cSld>
+  <p:clrMapOvr>
+    <a:masterClrMapping/>
+  </p:clrMapOvr>
+  <p:transition>
+    <p:fade thruBlk="1"/>
+  </p:transition>
+</p:sld>
+</file>
+
+<file path=ppt/slides/slide11.xml><?xml version="1.0" encoding="utf-8"?>
+<p:sld xmlns:a="http://schemas.openxmlformats.org/drawingml/2006/main" xmlns:r="http://schemas.openxmlformats.org/officeDocument/2006/relationships" xmlns:p="http://schemas.openxmlformats.org/presentationml/2006/main">
+  <p:cSld>
+    <p:spTree>
+      <p:nvGrpSpPr>
+        <p:cNvPr id="1" name=""/>
+        <p:cNvGrpSpPr/>
+        <p:nvPr/>
+      </p:nvGrpSpPr>
+      <p:grpSpPr>
+        <a:xfrm>
+          <a:off x="0" y="0"/>
+          <a:ext cx="0" cy="0"/>
+          <a:chOff x="0" y="0"/>
+          <a:chExt cx="0" cy="0"/>
+        </a:xfrm>
+      </p:grpSpPr>
+      <p:sp>
+        <p:nvSpPr>
+          <p:cNvPr id="2" name="標題 1"/>
+          <p:cNvSpPr>
+            <a:spLocks noGrp="1"/>
+          </p:cNvSpPr>
+          <p:nvPr>
+            <p:ph type="title"/>
+          </p:nvPr>
+        </p:nvSpPr>
+        <p:spPr/>
+        <p:txBody>
+          <a:bodyPr/>
+          <a:lstStyle/>
+          <a:p>
+            <a:r>
+              <a:rPr lang="en-US" altLang="zh-CN" dirty="0" smtClean="0"/>
+              <a:t>Include Directories</a:t>
+            </a:r>
+            <a:endParaRPr lang="en-MY" dirty="0"/>
+          </a:p>
+        </p:txBody>
+      </p:sp>
+      <p:sp>
+        <p:nvSpPr>
+          <p:cNvPr id="3" name="內容版面配置區 2"/>
+          <p:cNvSpPr>
+            <a:spLocks noGrp="1"/>
+          </p:cNvSpPr>
+          <p:nvPr>
+            <p:ph idx="1"/>
+          </p:nvPr>
+        </p:nvSpPr>
+        <p:spPr/>
+        <p:txBody>
+          <a:bodyPr>
+            <a:normAutofit/>
+          </a:bodyPr>
+          <a:lstStyle/>
+          <a:p>
+            <a:r>
+              <a:rPr lang="en-MY" sz="1600" dirty="0" smtClean="0">
+                <a:latin typeface="Calibri (本文)"/>
+              </a:rPr>
+              <a:t>[</a:t>
+            </a:r>
+            <a:r>
+              <a:rPr lang="en-MY" sz="1600" dirty="0" err="1" smtClean="0">
+                <a:latin typeface="Calibri (本文)"/>
+              </a:rPr>
+              <a:t>YourPath</a:t>
+            </a:r>
+            <a:r>
+              <a:rPr lang="en-MY" sz="1600" dirty="0" smtClean="0">
+                <a:latin typeface="Calibri (本文)"/>
+              </a:rPr>
+              <a:t>]\</a:t>
+            </a:r>
+            <a:r>
+              <a:rPr lang="en-MY" sz="1600" dirty="0">
+                <a:latin typeface="Calibri (本文)"/>
+              </a:rPr>
+              <a:t>CGAL-5.4\include</a:t>
+            </a:r>
+          </a:p>
+          <a:p>
+            <a:r>
+              <a:rPr lang="en-MY" sz="1600" dirty="0">
+                <a:latin typeface="Calibri (本文)"/>
+              </a:rPr>
+              <a:t>[</a:t>
+            </a:r>
+            <a:r>
+              <a:rPr lang="en-MY" sz="1600" dirty="0" err="1">
+                <a:latin typeface="Calibri (本文)"/>
+              </a:rPr>
+              <a:t>YourPath</a:t>
+            </a:r>
+            <a:r>
+              <a:rPr lang="en-MY" sz="1600" dirty="0" smtClean="0">
+                <a:latin typeface="Calibri (本文)"/>
+              </a:rPr>
+              <a:t>]\boost1.71</a:t>
+            </a:r>
+            <a:endParaRPr lang="en-MY" sz="1600" dirty="0">
+              <a:latin typeface="Calibri (本文)"/>
+            </a:endParaRPr>
+          </a:p>
+          <a:p>
+            <a:r>
+              <a:rPr lang="en-MY" sz="1600" dirty="0">
+                <a:latin typeface="Calibri (本文)"/>
+              </a:rPr>
+              <a:t>[</a:t>
+            </a:r>
+            <a:r>
+              <a:rPr lang="en-MY" sz="1600" dirty="0" err="1">
+                <a:latin typeface="Calibri (本文)"/>
+              </a:rPr>
+              <a:t>YourPath</a:t>
+            </a:r>
+            <a:r>
+              <a:rPr lang="en-MY" sz="1600" dirty="0" smtClean="0">
+                <a:latin typeface="Calibri (本文)"/>
+              </a:rPr>
+              <a:t>]\</a:t>
+            </a:r>
+            <a:r>
+              <a:rPr lang="en-MY" sz="1600" dirty="0" err="1" smtClean="0">
+                <a:latin typeface="Calibri (本文)"/>
+              </a:rPr>
+              <a:t>opencv</a:t>
+            </a:r>
+            <a:r>
+              <a:rPr lang="en-MY" sz="1600" dirty="0" smtClean="0">
+                <a:latin typeface="Calibri (本文)"/>
+              </a:rPr>
+              <a:t>\build\include</a:t>
+            </a:r>
+            <a:endParaRPr lang="en-MY" sz="1600" dirty="0">
+              <a:latin typeface="Calibri (本文)"/>
+            </a:endParaRPr>
+          </a:p>
+          <a:p>
+            <a:r>
+              <a:rPr lang="en-MY" sz="1600" dirty="0">
+                <a:latin typeface="Calibri (本文)"/>
+              </a:rPr>
+              <a:t>[</a:t>
+            </a:r>
+            <a:r>
+              <a:rPr lang="en-MY" sz="1600" dirty="0" err="1">
+                <a:latin typeface="Calibri (本文)"/>
+              </a:rPr>
+              <a:t>YourPath</a:t>
+            </a:r>
+            <a:r>
+              <a:rPr lang="en-MY" sz="1600" dirty="0">
+                <a:latin typeface="Calibri (本文)"/>
+              </a:rPr>
+              <a:t>]</a:t>
+            </a:r>
+            <a:r>
+              <a:rPr lang="en-MY" sz="1600" dirty="0" smtClean="0">
+                <a:latin typeface="Calibri (本文)"/>
+              </a:rPr>
+              <a:t>\</a:t>
+            </a:r>
+            <a:r>
+              <a:rPr lang="en-MY" sz="1600" dirty="0">
+                <a:latin typeface="Calibri (本文)"/>
+              </a:rPr>
+              <a:t>eigen-3.4.0</a:t>
+            </a:r>
+          </a:p>
+          <a:p>
+            <a:r>
+              <a:rPr lang="en-MY" sz="1600" dirty="0">
+                <a:latin typeface="Calibri (本文)"/>
+              </a:rPr>
+              <a:t>[</a:t>
+            </a:r>
+            <a:r>
+              <a:rPr lang="en-MY" sz="1600" dirty="0" err="1">
+                <a:latin typeface="Calibri (本文)"/>
+              </a:rPr>
+              <a:t>YourPath</a:t>
+            </a:r>
+            <a:r>
+              <a:rPr lang="en-MY" sz="1600" dirty="0">
+                <a:latin typeface="Calibri (本文)"/>
+              </a:rPr>
+              <a:t>]</a:t>
+            </a:r>
+            <a:r>
+              <a:rPr lang="en-MY" sz="1600" dirty="0" smtClean="0">
+                <a:latin typeface="Calibri (本文)"/>
+              </a:rPr>
+              <a:t>\</a:t>
+            </a:r>
+            <a:r>
+              <a:rPr lang="en-MY" sz="1600" dirty="0">
+                <a:latin typeface="Calibri (本文)"/>
+              </a:rPr>
+              <a:t>CGAL-5.4\auxiliary\gmp\include</a:t>
+            </a:r>
+          </a:p>
+          <a:p>
+            <a:r>
+              <a:rPr lang="en-MY" sz="1600" dirty="0">
+                <a:latin typeface="Calibri (本文)"/>
+              </a:rPr>
+              <a:t>[</a:t>
+            </a:r>
+            <a:r>
+              <a:rPr lang="en-MY" sz="1600" dirty="0" err="1">
+                <a:latin typeface="Calibri (本文)"/>
+              </a:rPr>
+              <a:t>YourPath</a:t>
+            </a:r>
+            <a:r>
+              <a:rPr lang="en-MY" sz="1600" dirty="0">
+                <a:latin typeface="Calibri (本文)"/>
+              </a:rPr>
+              <a:t>]</a:t>
+            </a:r>
+            <a:r>
+              <a:rPr lang="en-MY" sz="1600" dirty="0" smtClean="0">
+                <a:latin typeface="Calibri (本文)"/>
+              </a:rPr>
+              <a:t>\</a:t>
+            </a:r>
+            <a:r>
+              <a:rPr lang="en-MY" sz="1600" dirty="0">
+                <a:latin typeface="Calibri (本文)"/>
+              </a:rPr>
+              <a:t>CGAL-5.4</a:t>
+            </a:r>
+          </a:p>
+        </p:txBody>
+      </p:sp>
+      <p:pic>
+        <p:nvPicPr>
+          <p:cNvPr id="4" name="圖片 3"/>
+          <p:cNvPicPr>
+            <a:picLocks noChangeAspect="1"/>
+          </p:cNvPicPr>
+          <p:nvPr/>
+        </p:nvPicPr>
+        <p:blipFill rotWithShape="1">
+          <a:blip r:embed="rId2"/>
+          <a:srcRect l="859"/>
+          <a:stretch/>
+        </p:blipFill>
+        <p:spPr>
+          <a:xfrm>
+            <a:off x="5279667" y="1825625"/>
+            <a:ext cx="6544099" cy="2244439"/>
+          </a:xfrm>
+          <a:prstGeom prst="rect">
+            <a:avLst/>
+          </a:prstGeom>
+        </p:spPr>
+      </p:pic>
+    </p:spTree>
+    <p:extLst>
+      <p:ext uri="{BB962C8B-B14F-4D97-AF65-F5344CB8AC3E}">
+        <p14:creationId xmlns:p14="http://schemas.microsoft.com/office/powerpoint/2010/main" val="1942851962"/>
+      </p:ext>
+    </p:extLst>
+  </p:cSld>
+  <p:clrMapOvr>
+    <a:masterClrMapping/>
+  </p:clrMapOvr>
+  <p:transition>
+    <p:fade thruBlk="1"/>
+  </p:transition>
+</p:sld>
+</file>
+
+<file path=ppt/slides/slide12.xml><?xml version="1.0" encoding="utf-8"?>
+<p:sld xmlns:a="http://schemas.openxmlformats.org/drawingml/2006/main" xmlns:r="http://schemas.openxmlformats.org/officeDocument/2006/relationships" xmlns:p="http://schemas.openxmlformats.org/presentationml/2006/main">
+  <p:cSld>
+    <p:spTree>
+      <p:nvGrpSpPr>
+        <p:cNvPr id="1" name=""/>
+        <p:cNvGrpSpPr/>
+        <p:nvPr/>
+      </p:nvGrpSpPr>
+      <p:grpSpPr>
+        <a:xfrm>
+          <a:off x="0" y="0"/>
+          <a:ext cx="0" cy="0"/>
+          <a:chOff x="0" y="0"/>
+          <a:chExt cx="0" cy="0"/>
+        </a:xfrm>
+      </p:grpSpPr>
+      <p:sp>
+        <p:nvSpPr>
+          <p:cNvPr id="2" name="標題 1"/>
+          <p:cNvSpPr>
+            <a:spLocks noGrp="1"/>
+          </p:cNvSpPr>
+          <p:nvPr>
+            <p:ph type="title"/>
+          </p:nvPr>
+        </p:nvSpPr>
+        <p:spPr/>
+        <p:txBody>
+          <a:bodyPr/>
+          <a:lstStyle/>
+          <a:p>
+            <a:r>
               <a:rPr lang="en-US" altLang="zh-CN" dirty="0" smtClean="0"/>
               <a:t>Libraries Directories</a:t>
             </a:r>
@@ -5533,7 +6020,7 @@
 </p:sld>
 </file>
 
-<file path=ppt/slides/slide11.xml><?xml version="1.0" encoding="utf-8"?>
+<file path=ppt/slides/slide13.xml><?xml version="1.0" encoding="utf-8"?>
 <p:sld xmlns:a="http://schemas.openxmlformats.org/drawingml/2006/main" xmlns:r="http://schemas.openxmlformats.org/officeDocument/2006/relationships" xmlns:p="http://schemas.openxmlformats.org/presentationml/2006/main">
   <p:cSld>
     <p:spTree>
@@ -5795,7 +6282,7 @@
 </p:sld>
 </file>
 
-<file path=ppt/slides/slide12.xml><?xml version="1.0" encoding="utf-8"?>
+<file path=ppt/slides/slide14.xml><?xml version="1.0" encoding="utf-8"?>
 <p:sld xmlns:a="http://schemas.openxmlformats.org/drawingml/2006/main" xmlns:r="http://schemas.openxmlformats.org/officeDocument/2006/relationships" xmlns:p="http://schemas.openxmlformats.org/presentationml/2006/main">
   <p:cSld>
     <p:spTree>
@@ -6033,7 +6520,7 @@
 </p:sld>
 </file>
 
-<file path=ppt/slides/slide13.xml><?xml version="1.0" encoding="utf-8"?>
+<file path=ppt/slides/slide15.xml><?xml version="1.0" encoding="utf-8"?>
 <p:sld xmlns:a="http://schemas.openxmlformats.org/drawingml/2006/main" xmlns:r="http://schemas.openxmlformats.org/officeDocument/2006/relationships" xmlns:p="http://schemas.openxmlformats.org/presentationml/2006/main">
   <p:cSld>
     <p:spTree>
@@ -6121,10 +6608,17 @@
   <p:transition>
     <p:fade thruBlk="1"/>
   </p:transition>
+  <p:timing>
+    <p:tnLst>
+      <p:par>
+        <p:cTn id="1" dur="indefinite" restart="never" nodeType="tmRoot"/>
+      </p:par>
+    </p:tnLst>
+  </p:timing>
 </p:sld>
 </file>
 
-<file path=ppt/slides/slide14.xml><?xml version="1.0" encoding="utf-8"?>
+<file path=ppt/slides/slide16.xml><?xml version="1.0" encoding="utf-8"?>
 <p:sld xmlns:a="http://schemas.openxmlformats.org/drawingml/2006/main" xmlns:r="http://schemas.openxmlformats.org/officeDocument/2006/relationships" xmlns:p="http://schemas.openxmlformats.org/presentationml/2006/main">
   <p:cSld>
     <p:spTree>
@@ -6177,10 +6671,511 @@
   <p:transition>
     <p:fade thruBlk="1"/>
   </p:transition>
+  <p:timing>
+    <p:tnLst>
+      <p:par>
+        <p:cTn id="1" dur="indefinite" restart="never" nodeType="tmRoot"/>
+      </p:par>
+    </p:tnLst>
+  </p:timing>
 </p:sld>
 </file>
 
-<file path=ppt/slides/slide15.xml><?xml version="1.0" encoding="utf-8"?>
+<file path=ppt/slides/slide17.xml><?xml version="1.0" encoding="utf-8"?>
+<p:sld xmlns:a="http://schemas.openxmlformats.org/drawingml/2006/main" xmlns:r="http://schemas.openxmlformats.org/officeDocument/2006/relationships" xmlns:p="http://schemas.openxmlformats.org/presentationml/2006/main">
+  <p:cSld>
+    <p:spTree>
+      <p:nvGrpSpPr>
+        <p:cNvPr id="1" name=""/>
+        <p:cNvGrpSpPr/>
+        <p:nvPr/>
+      </p:nvGrpSpPr>
+      <p:grpSpPr>
+        <a:xfrm>
+          <a:off x="0" y="0"/>
+          <a:ext cx="0" cy="0"/>
+          <a:chOff x="0" y="0"/>
+          <a:chExt cx="0" cy="0"/>
+        </a:xfrm>
+      </p:grpSpPr>
+      <p:sp>
+        <p:nvSpPr>
+          <p:cNvPr id="2" name="標題 1"/>
+          <p:cNvSpPr>
+            <a:spLocks noGrp="1"/>
+          </p:cNvSpPr>
+          <p:nvPr>
+            <p:ph type="title"/>
+          </p:nvPr>
+        </p:nvSpPr>
+        <p:spPr/>
+        <p:txBody>
+          <a:bodyPr/>
+          <a:lstStyle/>
+          <a:p>
+            <a:r>
+              <a:rPr lang="zh-CN" altLang="en-US" dirty="0"/>
+              <a:t>流程</a:t>
+            </a:r>
+            <a:endParaRPr lang="en-MY" dirty="0"/>
+          </a:p>
+        </p:txBody>
+      </p:sp>
+      <p:sp>
+        <p:nvSpPr>
+          <p:cNvPr id="3" name="內容版面配置區 2"/>
+          <p:cNvSpPr>
+            <a:spLocks noGrp="1"/>
+          </p:cNvSpPr>
+          <p:nvPr>
+            <p:ph idx="1"/>
+          </p:nvPr>
+        </p:nvSpPr>
+        <p:spPr>
+          <a:xfrm>
+            <a:off x="838200" y="1415332"/>
+            <a:ext cx="10515600" cy="4761631"/>
+          </a:xfrm>
+        </p:spPr>
+        <p:txBody>
+          <a:bodyPr>
+            <a:normAutofit/>
+          </a:bodyPr>
+          <a:lstStyle/>
+          <a:p>
+            <a:r>
+              <a:rPr lang="zh-CN" altLang="en-US" sz="2000" dirty="0" smtClean="0"/>
+              <a:t>需要先對</a:t>
+            </a:r>
+            <a:r>
+              <a:rPr lang="en-US" altLang="zh-CN" sz="2000" dirty="0" smtClean="0"/>
+              <a:t>panorama</a:t>
+            </a:r>
+            <a:r>
+              <a:rPr lang="zh-CN" altLang="en-US" sz="2000" dirty="0" smtClean="0"/>
+              <a:t>分別進行</a:t>
+            </a:r>
+            <a:r>
+              <a:rPr lang="en-US" altLang="zh-CN" sz="2000" dirty="0" smtClean="0"/>
+              <a:t>Segmentation</a:t>
+            </a:r>
+            <a:r>
+              <a:rPr lang="zh-CN" altLang="en-US" sz="2000" dirty="0" smtClean="0"/>
+              <a:t>、</a:t>
+            </a:r>
+            <a:r>
+              <a:rPr lang="en-US" altLang="zh-CN" sz="2000" dirty="0" smtClean="0"/>
+              <a:t>Depth Estimation</a:t>
+            </a:r>
+            <a:r>
+              <a:rPr lang="zh-CN" altLang="en-US" sz="2000" dirty="0" smtClean="0"/>
+              <a:t>和 </a:t>
+            </a:r>
+            <a:r>
+              <a:rPr lang="en-US" altLang="zh-CN" sz="2000" dirty="0" smtClean="0"/>
+              <a:t>SLAM</a:t>
+            </a:r>
+            <a:r>
+              <a:rPr lang="zh-CN" altLang="en-US" sz="2000" dirty="0" smtClean="0"/>
+              <a:t>，最後才進行</a:t>
+            </a:r>
+            <a:r>
+              <a:rPr lang="en-US" altLang="zh-CN" sz="2000" dirty="0" smtClean="0"/>
+              <a:t>Mesh Reconstruction</a:t>
+            </a:r>
+          </a:p>
+          <a:p>
+            <a:r>
+              <a:rPr lang="zh-CN" altLang="en-US" sz="2000" dirty="0" smtClean="0"/>
+              <a:t>備註</a:t>
+            </a:r>
+            <a:r>
+              <a:rPr lang="en-US" altLang="zh-CN" sz="2000" dirty="0" smtClean="0"/>
+              <a:t>: </a:t>
+            </a:r>
+            <a:r>
+              <a:rPr lang="zh-CN" altLang="en-US" sz="2000" dirty="0" smtClean="0"/>
+              <a:t>如果需要對全景圖影片轉換成</a:t>
+            </a:r>
+            <a:r>
+              <a:rPr lang="en-US" altLang="zh-CN" sz="2000" dirty="0" smtClean="0"/>
+              <a:t>Image sequence</a:t>
+            </a:r>
+            <a:r>
+              <a:rPr lang="zh-CN" altLang="en-US" sz="2000" dirty="0" smtClean="0"/>
+              <a:t>可以使用</a:t>
+            </a:r>
+            <a:r>
+              <a:rPr lang="en-US" altLang="zh-CN" sz="2000" dirty="0" smtClean="0"/>
+              <a:t>videoToImg.py,</a:t>
+            </a:r>
+            <a:r>
+              <a:rPr lang="zh-CN" altLang="en-US" sz="2000" dirty="0" smtClean="0"/>
+              <a:t>程式在</a:t>
+            </a:r>
+            <a:r>
+              <a:rPr lang="en-US" altLang="zh-CN" sz="2000" dirty="0" err="1" smtClean="0"/>
+              <a:t>Meshreconstruction</a:t>
+            </a:r>
+            <a:r>
+              <a:rPr lang="zh-CN" altLang="en-US" sz="2000" dirty="0" smtClean="0"/>
+              <a:t>專案裡。</a:t>
+            </a:r>
+            <a:endParaRPr lang="en-MY" sz="2000" dirty="0"/>
+          </a:p>
+        </p:txBody>
+      </p:sp>
+      <p:pic>
+        <p:nvPicPr>
+          <p:cNvPr id="4" name="內容版面配置區 3"/>
+          <p:cNvPicPr>
+            <a:picLocks noChangeAspect="1"/>
+          </p:cNvPicPr>
+          <p:nvPr/>
+        </p:nvPicPr>
+        <p:blipFill>
+          <a:blip r:embed="rId2">
+            <a:extLst>
+              <a:ext uri="{28A0092B-C50C-407E-A947-70E740481C1C}">
+                <a14:useLocalDpi xmlns:a14="http://schemas.microsoft.com/office/drawing/2010/main" val="0"/>
+              </a:ext>
+            </a:extLst>
+          </a:blip>
+          <a:stretch>
+            <a:fillRect/>
+          </a:stretch>
+        </p:blipFill>
+        <p:spPr>
+          <a:xfrm>
+            <a:off x="2873733" y="3124099"/>
+            <a:ext cx="6158949" cy="2783155"/>
+          </a:xfrm>
+          <a:prstGeom prst="rect">
+            <a:avLst/>
+          </a:prstGeom>
+        </p:spPr>
+      </p:pic>
+      <p:sp>
+        <p:nvSpPr>
+          <p:cNvPr id="5" name="圓角矩形 4"/>
+          <p:cNvSpPr/>
+          <p:nvPr/>
+        </p:nvSpPr>
+        <p:spPr>
+          <a:xfrm>
+            <a:off x="3991554" y="3375750"/>
+            <a:ext cx="1423283" cy="2456953"/>
+          </a:xfrm>
+          <a:prstGeom prst="roundRect">
+            <a:avLst/>
+          </a:prstGeom>
+          <a:noFill/>
+          <a:ln w="38100">
+            <a:solidFill>
+              <a:srgbClr val="FF0000"/>
+            </a:solidFill>
+          </a:ln>
+        </p:spPr>
+        <p:style>
+          <a:lnRef idx="2">
+            <a:schemeClr val="accent1">
+              <a:shade val="50000"/>
+            </a:schemeClr>
+          </a:lnRef>
+          <a:fillRef idx="1">
+            <a:schemeClr val="accent1"/>
+          </a:fillRef>
+          <a:effectRef idx="0">
+            <a:schemeClr val="accent1"/>
+          </a:effectRef>
+          <a:fontRef idx="minor">
+            <a:schemeClr val="lt1"/>
+          </a:fontRef>
+        </p:style>
+        <p:txBody>
+          <a:bodyPr rtlCol="0" anchor="ctr"/>
+          <a:lstStyle/>
+          <a:p>
+            <a:pPr algn="ctr"/>
+            <a:endParaRPr lang="en-MY"/>
+          </a:p>
+        </p:txBody>
+      </p:sp>
+    </p:spTree>
+    <p:extLst>
+      <p:ext uri="{BB962C8B-B14F-4D97-AF65-F5344CB8AC3E}">
+        <p14:creationId xmlns:p14="http://schemas.microsoft.com/office/powerpoint/2010/main" val="4209064964"/>
+      </p:ext>
+    </p:extLst>
+  </p:cSld>
+  <p:clrMapOvr>
+    <a:masterClrMapping/>
+  </p:clrMapOvr>
+  <p:transition>
+    <p:fade thruBlk="1"/>
+  </p:transition>
+  <p:timing>
+    <p:tnLst>
+      <p:par>
+        <p:cTn id="1" dur="indefinite" restart="never" nodeType="tmRoot"/>
+      </p:par>
+    </p:tnLst>
+  </p:timing>
+</p:sld>
+</file>
+
+<file path=ppt/slides/slide18.xml><?xml version="1.0" encoding="utf-8"?>
+<p:sld xmlns:a="http://schemas.openxmlformats.org/drawingml/2006/main" xmlns:r="http://schemas.openxmlformats.org/officeDocument/2006/relationships" xmlns:p="http://schemas.openxmlformats.org/presentationml/2006/main">
+  <p:cSld>
+    <p:spTree>
+      <p:nvGrpSpPr>
+        <p:cNvPr id="1" name=""/>
+        <p:cNvGrpSpPr/>
+        <p:nvPr/>
+      </p:nvGrpSpPr>
+      <p:grpSpPr>
+        <a:xfrm>
+          <a:off x="0" y="0"/>
+          <a:ext cx="0" cy="0"/>
+          <a:chOff x="0" y="0"/>
+          <a:chExt cx="0" cy="0"/>
+        </a:xfrm>
+      </p:grpSpPr>
+      <p:sp>
+        <p:nvSpPr>
+          <p:cNvPr id="2" name="標題 1"/>
+          <p:cNvSpPr>
+            <a:spLocks noGrp="1"/>
+          </p:cNvSpPr>
+          <p:nvPr>
+            <p:ph type="title"/>
+          </p:nvPr>
+        </p:nvSpPr>
+        <p:spPr/>
+        <p:txBody>
+          <a:bodyPr/>
+          <a:lstStyle/>
+          <a:p>
+            <a:r>
+              <a:rPr lang="zh-CN" altLang="en-US" dirty="0" smtClean="0"/>
+              <a:t>測試資料</a:t>
+            </a:r>
+            <a:endParaRPr lang="en-MY" dirty="0"/>
+          </a:p>
+        </p:txBody>
+      </p:sp>
+      <p:sp>
+        <p:nvSpPr>
+          <p:cNvPr id="3" name="內容版面配置區 2"/>
+          <p:cNvSpPr>
+            <a:spLocks noGrp="1"/>
+          </p:cNvSpPr>
+          <p:nvPr>
+            <p:ph idx="1"/>
+          </p:nvPr>
+        </p:nvSpPr>
+        <p:spPr>
+          <a:xfrm>
+            <a:off x="838200" y="1825625"/>
+            <a:ext cx="10515600" cy="1283335"/>
+          </a:xfrm>
+        </p:spPr>
+        <p:txBody>
+          <a:bodyPr/>
+          <a:lstStyle/>
+          <a:p>
+            <a:r>
+              <a:rPr lang="zh-CN" altLang="en-US" dirty="0"/>
+              <a:t>測試資料我放在</a:t>
+            </a:r>
+            <a:r>
+              <a:rPr lang="en-US" altLang="zh-CN" dirty="0" smtClean="0"/>
+              <a:t>ftp</a:t>
+            </a:r>
+            <a:endParaRPr lang="en-US" dirty="0"/>
+          </a:p>
+          <a:p>
+            <a:r>
+              <a:rPr lang="zh-CN" altLang="en-US" dirty="0"/>
+              <a:t>測試資料位子</a:t>
+            </a:r>
+            <a:r>
+              <a:rPr lang="en-US" altLang="zh-CN" dirty="0"/>
+              <a:t>/</a:t>
+            </a:r>
+            <a:r>
+              <a:rPr lang="en-MY" dirty="0" err="1" smtClean="0"/>
+              <a:t>ResearchData</a:t>
+            </a:r>
+            <a:r>
+              <a:rPr lang="en-MY" dirty="0" smtClean="0"/>
+              <a:t>/111_YongDa/</a:t>
+            </a:r>
+            <a:r>
+              <a:rPr lang="en-MY" dirty="0" err="1" smtClean="0"/>
+              <a:t>testData</a:t>
+            </a:r>
+            <a:endParaRPr lang="en-MY" dirty="0" smtClean="0"/>
+          </a:p>
+          <a:p>
+            <a:endParaRPr lang="en-US" dirty="0"/>
+          </a:p>
+          <a:p>
+            <a:endParaRPr lang="en-MY" dirty="0"/>
+          </a:p>
+        </p:txBody>
+      </p:sp>
+      <p:sp>
+        <p:nvSpPr>
+          <p:cNvPr id="4" name="文字方塊 3"/>
+          <p:cNvSpPr txBox="1"/>
+          <p:nvPr/>
+        </p:nvSpPr>
+        <p:spPr>
+          <a:xfrm>
+            <a:off x="703027" y="3434729"/>
+            <a:ext cx="10999806" cy="1200329"/>
+          </a:xfrm>
+          <a:prstGeom prst="rect">
+            <a:avLst/>
+          </a:prstGeom>
+          <a:noFill/>
+        </p:spPr>
+        <p:txBody>
+          <a:bodyPr wrap="none" rtlCol="0">
+            <a:spAutoFit/>
+          </a:bodyPr>
+          <a:lstStyle/>
+          <a:p>
+            <a:pPr marL="285750" indent="-285750">
+              <a:buFont typeface="Arial" panose="020B0604020202020204" pitchFamily="34" charset="0"/>
+              <a:buChar char="•"/>
+            </a:pPr>
+            <a:r>
+              <a:rPr lang="zh-CN" altLang="en-US" dirty="0" smtClean="0"/>
+              <a:t>資料檔案很大，建議只下載影片或者</a:t>
+            </a:r>
+            <a:r>
+              <a:rPr lang="en-US" altLang="zh-CN" dirty="0" err="1" smtClean="0"/>
+              <a:t>imageSequence</a:t>
+            </a:r>
+            <a:r>
+              <a:rPr lang="zh-CN" altLang="en-US" dirty="0" smtClean="0"/>
+              <a:t>把流程跑一邊，</a:t>
+            </a:r>
+            <a:r>
+              <a:rPr lang="en-US" altLang="zh-CN" dirty="0" smtClean="0"/>
+              <a:t>ftp</a:t>
+            </a:r>
+            <a:r>
+              <a:rPr lang="zh-CN" altLang="en-US" dirty="0" smtClean="0"/>
+              <a:t>上其他的資料都是流程過程出來的</a:t>
+            </a:r>
+            <a:endParaRPr lang="en-US" altLang="zh-CN" dirty="0" smtClean="0"/>
+          </a:p>
+          <a:p>
+            <a:pPr marL="285750" indent="-285750">
+              <a:buFont typeface="Arial" panose="020B0604020202020204" pitchFamily="34" charset="0"/>
+              <a:buChar char="•"/>
+            </a:pPr>
+            <a:r>
+              <a:rPr lang="zh-CN" altLang="en-US" dirty="0" smtClean="0"/>
+              <a:t>影片位子</a:t>
+            </a:r>
+            <a:r>
+              <a:rPr lang="en-US" altLang="zh-CN" dirty="0" smtClean="0"/>
+              <a:t>: /</a:t>
+            </a:r>
+            <a:r>
+              <a:rPr lang="en-MY" dirty="0" err="1" smtClean="0"/>
+              <a:t>ResearchData</a:t>
+            </a:r>
+            <a:r>
+              <a:rPr lang="en-MY" dirty="0" smtClean="0"/>
+              <a:t>/111_YongDa/</a:t>
+            </a:r>
+            <a:r>
+              <a:rPr lang="en-MY" dirty="0" err="1" smtClean="0"/>
+              <a:t>testVideo.rar</a:t>
+            </a:r>
+            <a:endParaRPr lang="en-MY" dirty="0" smtClean="0"/>
+          </a:p>
+          <a:p>
+            <a:pPr marL="285750" indent="-285750">
+              <a:buFont typeface="Arial" panose="020B0604020202020204" pitchFamily="34" charset="0"/>
+              <a:buChar char="•"/>
+            </a:pPr>
+            <a:r>
+              <a:rPr lang="en-US" dirty="0" smtClean="0"/>
+              <a:t>RG</a:t>
+            </a:r>
+            <a:r>
+              <a:rPr lang="en-US" altLang="zh-CN" dirty="0" smtClean="0"/>
+              <a:t>B </a:t>
+            </a:r>
+            <a:r>
+              <a:rPr lang="zh-CN" altLang="en-US" dirty="0" smtClean="0"/>
+              <a:t>位子</a:t>
+            </a:r>
+            <a:r>
+              <a:rPr lang="en-US" altLang="zh-CN" dirty="0" smtClean="0"/>
+              <a:t>: /</a:t>
+            </a:r>
+            <a:r>
+              <a:rPr lang="en-US" altLang="zh-CN" dirty="0" err="1" smtClean="0"/>
+              <a:t>ResearchData</a:t>
+            </a:r>
+            <a:r>
+              <a:rPr lang="en-US" altLang="zh-CN" dirty="0" smtClean="0"/>
+              <a:t>/111_YongDa/</a:t>
+            </a:r>
+            <a:r>
+              <a:rPr lang="en-US" altLang="zh-CN" dirty="0" err="1" smtClean="0"/>
+              <a:t>testdata</a:t>
+            </a:r>
+            <a:r>
+              <a:rPr lang="en-US" altLang="zh-CN" dirty="0" smtClean="0"/>
+              <a:t>/</a:t>
+            </a:r>
+            <a:r>
+              <a:rPr lang="en-US" altLang="zh-CN" dirty="0" err="1" smtClean="0"/>
+              <a:t>rgb.rar</a:t>
+            </a:r>
+            <a:endParaRPr lang="en-MY" dirty="0"/>
+          </a:p>
+          <a:p>
+            <a:pPr marL="285750" indent="-285750">
+              <a:buFont typeface="Arial" panose="020B0604020202020204" pitchFamily="34" charset="0"/>
+              <a:buChar char="•"/>
+            </a:pPr>
+            <a:endParaRPr lang="en-MY" dirty="0"/>
+          </a:p>
+        </p:txBody>
+      </p:sp>
+    </p:spTree>
+    <p:extLst>
+      <p:ext uri="{BB962C8B-B14F-4D97-AF65-F5344CB8AC3E}">
+        <p14:creationId xmlns:p14="http://schemas.microsoft.com/office/powerpoint/2010/main" val="2934740636"/>
+      </p:ext>
+    </p:extLst>
+  </p:cSld>
+  <p:clrMapOvr>
+    <a:masterClrMapping/>
+  </p:clrMapOvr>
+  <p:transition>
+    <p:fade thruBlk="1"/>
+  </p:transition>
+  <p:timing>
+    <p:tnLst>
+      <p:par>
+        <p:cTn id="1" dur="indefinite" restart="never" nodeType="tmRoot"/>
+      </p:par>
+    </p:tnLst>
+  </p:timing>
+</p:sld>
+</file>
+
+<file path=ppt/slides/slide19.xml><?xml version="1.0" encoding="utf-8"?>
 <p:sld xmlns:a="http://schemas.openxmlformats.org/drawingml/2006/main" xmlns:r="http://schemas.openxmlformats.org/officeDocument/2006/relationships" xmlns:p="http://schemas.openxmlformats.org/presentationml/2006/main">
   <p:cSld>
     <p:spTree>
@@ -6393,10 +7388,17 @@
   <p:transition>
     <p:fade thruBlk="1"/>
   </p:transition>
+  <p:timing>
+    <p:tnLst>
+      <p:par>
+        <p:cTn id="1" dur="indefinite" restart="never" nodeType="tmRoot"/>
+      </p:par>
+    </p:tnLst>
+  </p:timing>
 </p:sld>
 </file>
 
-<file path=ppt/slides/slide16.xml><?xml version="1.0" encoding="utf-8"?>
+<file path=ppt/slides/slide2.xml><?xml version="1.0" encoding="utf-8"?>
 <p:sld xmlns:a="http://schemas.openxmlformats.org/drawingml/2006/main" xmlns:r="http://schemas.openxmlformats.org/officeDocument/2006/relationships" xmlns:p="http://schemas.openxmlformats.org/presentationml/2006/main">
   <p:cSld>
     <p:spTree>
@@ -6429,6 +7431,121 @@
           <a:lstStyle/>
           <a:p>
             <a:r>
+              <a:rPr lang="zh-CN" altLang="en-US" dirty="0"/>
+              <a:t>目錄</a:t>
+            </a:r>
+            <a:endParaRPr lang="en-MY" dirty="0"/>
+          </a:p>
+        </p:txBody>
+      </p:sp>
+      <p:sp>
+        <p:nvSpPr>
+          <p:cNvPr id="3" name="內容版面配置區 2"/>
+          <p:cNvSpPr>
+            <a:spLocks noGrp="1"/>
+          </p:cNvSpPr>
+          <p:nvPr>
+            <p:ph idx="1"/>
+          </p:nvPr>
+        </p:nvSpPr>
+        <p:spPr/>
+        <p:txBody>
+          <a:bodyPr/>
+          <a:lstStyle/>
+          <a:p>
+            <a:r>
+              <a:rPr lang="zh-TW" altLang="en-US" dirty="0" smtClean="0">
+                <a:hlinkClick r:id="rId2" action="ppaction://hlinksldjump"/>
+              </a:rPr>
+              <a:t>程式架構圖</a:t>
+            </a:r>
+            <a:endParaRPr lang="en-US" altLang="zh-TW" dirty="0" smtClean="0"/>
+          </a:p>
+          <a:p>
+            <a:r>
+              <a:rPr lang="zh-TW" altLang="en-US" dirty="0" smtClean="0">
+                <a:hlinkClick r:id="rId3" action="ppaction://hlinksldjump"/>
+              </a:rPr>
+              <a:t>建立環境</a:t>
+            </a:r>
+            <a:endParaRPr lang="en-US" altLang="zh-TW" dirty="0" smtClean="0"/>
+          </a:p>
+          <a:p>
+            <a:r>
+              <a:rPr lang="zh-TW" altLang="en-US" dirty="0" smtClean="0">
+                <a:hlinkClick r:id="rId4" action="ppaction://hlinksldjump"/>
+              </a:rPr>
+              <a:t>使用方法</a:t>
+            </a:r>
+            <a:endParaRPr lang="en-US" altLang="zh-TW" dirty="0" smtClean="0"/>
+          </a:p>
+          <a:p>
+            <a:r>
+              <a:rPr lang="zh-TW" altLang="en-US" dirty="0" smtClean="0">
+                <a:hlinkClick r:id="rId5" action="ppaction://hlinksldjump"/>
+              </a:rPr>
+              <a:t>測試資料</a:t>
+            </a:r>
+            <a:endParaRPr lang="en-MY" dirty="0"/>
+          </a:p>
+        </p:txBody>
+      </p:sp>
+    </p:spTree>
+    <p:extLst>
+      <p:ext uri="{BB962C8B-B14F-4D97-AF65-F5344CB8AC3E}">
+        <p14:creationId xmlns:p14="http://schemas.microsoft.com/office/powerpoint/2010/main" val="4280225094"/>
+      </p:ext>
+    </p:extLst>
+  </p:cSld>
+  <p:clrMapOvr>
+    <a:masterClrMapping/>
+  </p:clrMapOvr>
+  <p:transition>
+    <p:fade thruBlk="1"/>
+  </p:transition>
+  <p:timing>
+    <p:tnLst>
+      <p:par>
+        <p:cTn id="1" dur="indefinite" restart="never" nodeType="tmRoot"/>
+      </p:par>
+    </p:tnLst>
+  </p:timing>
+</p:sld>
+</file>
+
+<file path=ppt/slides/slide20.xml><?xml version="1.0" encoding="utf-8"?>
+<p:sld xmlns:a="http://schemas.openxmlformats.org/drawingml/2006/main" xmlns:r="http://schemas.openxmlformats.org/officeDocument/2006/relationships" xmlns:p="http://schemas.openxmlformats.org/presentationml/2006/main">
+  <p:cSld>
+    <p:spTree>
+      <p:nvGrpSpPr>
+        <p:cNvPr id="1" name=""/>
+        <p:cNvGrpSpPr/>
+        <p:nvPr/>
+      </p:nvGrpSpPr>
+      <p:grpSpPr>
+        <a:xfrm>
+          <a:off x="0" y="0"/>
+          <a:ext cx="0" cy="0"/>
+          <a:chOff x="0" y="0"/>
+          <a:chExt cx="0" cy="0"/>
+        </a:xfrm>
+      </p:grpSpPr>
+      <p:sp>
+        <p:nvSpPr>
+          <p:cNvPr id="2" name="標題 1"/>
+          <p:cNvSpPr>
+            <a:spLocks noGrp="1"/>
+          </p:cNvSpPr>
+          <p:nvPr>
+            <p:ph type="title"/>
+          </p:nvPr>
+        </p:nvSpPr>
+        <p:spPr/>
+        <p:txBody>
+          <a:bodyPr/>
+          <a:lstStyle/>
+          <a:p>
+            <a:r>
               <a:rPr lang="zh-CN" altLang="en-US" dirty="0" smtClean="0"/>
               <a:t>執行程式</a:t>
             </a:r>
@@ -6454,7 +7571,7 @@
         </p:blipFill>
         <p:spPr>
           <a:xfrm>
-            <a:off x="4083104" y="3387256"/>
+            <a:off x="4401156" y="3967701"/>
             <a:ext cx="6554305" cy="1999269"/>
           </a:xfrm>
           <a:prstGeom prst="rect">
@@ -6471,7 +7588,7 @@
         <p:spPr>
           <a:xfrm>
             <a:off x="325088" y="1436019"/>
-            <a:ext cx="6142579" cy="1754326"/>
+            <a:ext cx="7650070" cy="369332"/>
           </a:xfrm>
           <a:prstGeom prst="rect">
             <a:avLst/>
@@ -6479,7 +7596,7 @@
           <a:noFill/>
         </p:spPr>
         <p:txBody>
-          <a:bodyPr wrap="none" rtlCol="0">
+          <a:bodyPr wrap="square" rtlCol="0">
             <a:spAutoFit/>
           </a:bodyPr>
           <a:lstStyle/>
@@ -6493,80 +7610,6 @@
               <a:t>: </a:t>
             </a:r>
             <a:endParaRPr lang="en-US" altLang="zh-CN" dirty="0" smtClean="0"/>
-          </a:p>
-          <a:p>
-            <a:r>
-              <a:rPr lang="en-US" altLang="zh-CN" dirty="0" smtClean="0"/>
-              <a:t>run_video_slam.exe </a:t>
-            </a:r>
-          </a:p>
-          <a:p>
-            <a:r>
-              <a:rPr lang="en-US" altLang="zh-CN" dirty="0" smtClean="0"/>
-              <a:t>-</a:t>
-            </a:r>
-            <a:r>
-              <a:rPr lang="en-US" altLang="zh-CN" dirty="0"/>
-              <a:t>c ../../</a:t>
-            </a:r>
-            <a:r>
-              <a:rPr lang="en-US" altLang="zh-CN" dirty="0" err="1"/>
-              <a:t>param</a:t>
-            </a:r>
-            <a:r>
-              <a:rPr lang="en-US" altLang="zh-CN" dirty="0"/>
-              <a:t>/</a:t>
-            </a:r>
-            <a:r>
-              <a:rPr lang="en-US" altLang="zh-CN" dirty="0" err="1"/>
-              <a:t>panorama.yaml</a:t>
-            </a:r>
-            <a:r>
-              <a:rPr lang="en-US" altLang="zh-CN" dirty="0"/>
-              <a:t> </a:t>
-            </a:r>
-            <a:endParaRPr lang="en-US" altLang="zh-CN" dirty="0" smtClean="0"/>
-          </a:p>
-          <a:p>
-            <a:r>
-              <a:rPr lang="en-US" altLang="zh-CN" dirty="0"/>
-              <a:t>-</a:t>
-            </a:r>
-            <a:r>
-              <a:rPr lang="en-US" altLang="zh-CN" dirty="0" smtClean="0"/>
-              <a:t>v ../../</a:t>
-            </a:r>
-            <a:r>
-              <a:rPr lang="en-US" altLang="zh-CN" dirty="0"/>
-              <a:t>vocab/orb_vocab.dbow2 </a:t>
-            </a:r>
-            <a:endParaRPr lang="en-US" altLang="zh-CN" dirty="0" smtClean="0"/>
-          </a:p>
-          <a:p>
-            <a:r>
-              <a:rPr lang="en-US" altLang="zh-CN" dirty="0" smtClean="0"/>
-              <a:t>-</a:t>
-            </a:r>
-            <a:r>
-              <a:rPr lang="en-US" altLang="zh-CN" dirty="0"/>
-              <a:t>m D:\project\Stitching\dataset\insta360\0523_2\0523_2.mp4 </a:t>
-            </a:r>
-            <a:endParaRPr lang="en-US" altLang="zh-CN" dirty="0" smtClean="0"/>
-          </a:p>
-          <a:p>
-            <a:r>
-              <a:rPr lang="en-US" altLang="zh-CN" dirty="0" smtClean="0"/>
-              <a:t>-</a:t>
-            </a:r>
-            <a:r>
-              <a:rPr lang="en-US" altLang="zh-CN" dirty="0"/>
-              <a:t>p </a:t>
-            </a:r>
-            <a:r>
-              <a:rPr lang="en-US" altLang="zh-CN" dirty="0" smtClean="0"/>
-              <a:t>./map.msg</a:t>
-            </a:r>
-            <a:endParaRPr lang="en-MY" dirty="0"/>
           </a:p>
         </p:txBody>
       </p:sp>
@@ -6578,7 +7621,7 @@
         </p:nvSpPr>
         <p:spPr>
           <a:xfrm>
-            <a:off x="432684" y="5088834"/>
+            <a:off x="750736" y="5669279"/>
             <a:ext cx="1063112" cy="369332"/>
           </a:xfrm>
           <a:prstGeom prst="rect">
@@ -6612,7 +7655,7 @@
         </p:nvCxnSpPr>
         <p:spPr>
           <a:xfrm flipV="1">
-            <a:off x="1598212" y="5184250"/>
+            <a:off x="1916264" y="5764695"/>
             <a:ext cx="2484892" cy="135173"/>
           </a:xfrm>
           <a:prstGeom prst="straightConnector1">
@@ -6645,7 +7688,7 @@
         </p:nvSpPr>
         <p:spPr>
           <a:xfrm>
-            <a:off x="432684" y="4076573"/>
+            <a:off x="750736" y="4657018"/>
             <a:ext cx="2527615" cy="369332"/>
           </a:xfrm>
           <a:prstGeom prst="rect">
@@ -6695,8 +7738,8 @@
         </p:nvCxnSpPr>
         <p:spPr>
           <a:xfrm flipV="1">
-            <a:off x="2840658" y="4009471"/>
-            <a:ext cx="1242446" cy="258910"/>
+            <a:off x="3158710" y="4513277"/>
+            <a:ext cx="1242446" cy="335549"/>
           </a:xfrm>
           <a:prstGeom prst="straightConnector1">
             <a:avLst/>
@@ -6728,7 +7771,7 @@
         </p:nvSpPr>
         <p:spPr>
           <a:xfrm>
-            <a:off x="461450" y="3663913"/>
+            <a:off x="779502" y="4244358"/>
             <a:ext cx="1107996" cy="369332"/>
           </a:xfrm>
           <a:prstGeom prst="rect">
@@ -6758,7 +7801,7 @@
         </p:nvCxnSpPr>
         <p:spPr>
           <a:xfrm flipV="1">
-            <a:off x="1495796" y="3780923"/>
+            <a:off x="1813848" y="4361368"/>
             <a:ext cx="2529776" cy="65903"/>
           </a:xfrm>
           <a:prstGeom prst="straightConnector1">
@@ -6791,7 +7834,7 @@
         </p:nvSpPr>
         <p:spPr>
           <a:xfrm>
-            <a:off x="432684" y="3403355"/>
+            <a:off x="750736" y="3983800"/>
             <a:ext cx="2857514" cy="369332"/>
           </a:xfrm>
           <a:prstGeom prst="rect">
@@ -6843,7 +7886,7 @@
         </p:nvCxnSpPr>
         <p:spPr>
           <a:xfrm>
-            <a:off x="3290198" y="3588021"/>
+            <a:off x="3608250" y="4168466"/>
             <a:ext cx="735374" cy="45566"/>
           </a:xfrm>
           <a:prstGeom prst="straightConnector1">
@@ -6868,102 +7911,133 @@
           </a:fontRef>
         </p:style>
       </p:cxnSp>
-    </p:spTree>
-    <p:extLst>
-      <p:ext uri="{BB962C8B-B14F-4D97-AF65-F5344CB8AC3E}">
-        <p14:creationId xmlns:p14="http://schemas.microsoft.com/office/powerpoint/2010/main" val="2393691346"/>
-      </p:ext>
-    </p:extLst>
-  </p:cSld>
-  <p:clrMapOvr>
-    <a:masterClrMapping/>
-  </p:clrMapOvr>
-  <p:transition>
-    <p:fade thruBlk="1"/>
-  </p:transition>
-</p:sld>
-</file>
-
-<file path=ppt/slides/slide17.xml><?xml version="1.0" encoding="utf-8"?>
-<p:sld xmlns:a="http://schemas.openxmlformats.org/drawingml/2006/main" xmlns:r="http://schemas.openxmlformats.org/officeDocument/2006/relationships" xmlns:p="http://schemas.openxmlformats.org/presentationml/2006/main">
-  <p:cSld>
-    <p:spTree>
-      <p:nvGrpSpPr>
-        <p:cNvPr id="1" name=""/>
-        <p:cNvGrpSpPr/>
-        <p:nvPr/>
-      </p:nvGrpSpPr>
-      <p:grpSpPr>
-        <a:xfrm>
-          <a:off x="0" y="0"/>
-          <a:ext cx="0" cy="0"/>
-          <a:chOff x="0" y="0"/>
-          <a:chExt cx="0" cy="0"/>
-        </a:xfrm>
-      </p:grpSpPr>
-      <p:sp>
-        <p:nvSpPr>
-          <p:cNvPr id="2" name="標題 1"/>
-          <p:cNvSpPr>
-            <a:spLocks noGrp="1"/>
-          </p:cNvSpPr>
-          <p:nvPr>
-            <p:ph type="title"/>
-          </p:nvPr>
-        </p:nvSpPr>
-        <p:spPr/>
-        <p:txBody>
-          <a:bodyPr/>
-          <a:lstStyle/>
-          <a:p>
-            <a:r>
-              <a:rPr lang="en-US" altLang="zh-CN" dirty="0" smtClean="0"/>
-              <a:t>SLAM </a:t>
-            </a:r>
-            <a:r>
-              <a:rPr lang="zh-CN" altLang="en-US" dirty="0" smtClean="0"/>
-              <a:t>資料前處理</a:t>
-            </a:r>
-            <a:endParaRPr lang="en-MY" dirty="0"/>
-          </a:p>
-        </p:txBody>
-      </p:sp>
-      <p:pic>
-        <p:nvPicPr>
-          <p:cNvPr id="4" name="內容版面配置區 3"/>
-          <p:cNvPicPr>
-            <a:picLocks noGrp="1" noChangeAspect="1"/>
-          </p:cNvPicPr>
-          <p:nvPr>
-            <p:ph idx="1"/>
-          </p:nvPr>
-        </p:nvPicPr>
-        <p:blipFill>
-          <a:blip r:embed="rId2"/>
-          <a:stretch>
-            <a:fillRect/>
-          </a:stretch>
-        </p:blipFill>
+      <p:sp>
+        <p:nvSpPr>
+          <p:cNvPr id="3" name="文字方塊 2"/>
+          <p:cNvSpPr txBox="1"/>
+          <p:nvPr/>
+        </p:nvSpPr>
         <p:spPr>
           <a:xfrm>
-            <a:off x="2753325" y="3458140"/>
-            <a:ext cx="4010585" cy="895475"/>
+            <a:off x="432684" y="1796850"/>
+            <a:ext cx="6142579" cy="1754326"/>
           </a:xfrm>
           <a:prstGeom prst="rect">
             <a:avLst/>
           </a:prstGeom>
+          <a:solidFill>
+            <a:schemeClr val="accent1">
+              <a:lumMod val="50000"/>
+            </a:schemeClr>
+          </a:solidFill>
         </p:spPr>
-      </p:pic>
-      <p:sp>
-        <p:nvSpPr>
-          <p:cNvPr id="5" name="文字方塊 4"/>
+        <p:txBody>
+          <a:bodyPr wrap="none" rtlCol="0">
+            <a:spAutoFit/>
+          </a:bodyPr>
+          <a:lstStyle/>
+          <a:p>
+            <a:r>
+              <a:rPr lang="en-US" altLang="zh-CN" dirty="0">
+                <a:solidFill>
+                  <a:schemeClr val="bg1"/>
+                </a:solidFill>
+              </a:rPr>
+              <a:t>run_video_slam.exe </a:t>
+            </a:r>
+          </a:p>
+          <a:p>
+            <a:r>
+              <a:rPr lang="en-US" altLang="zh-CN" dirty="0">
+                <a:solidFill>
+                  <a:schemeClr val="bg1"/>
+                </a:solidFill>
+              </a:rPr>
+              <a:t>-c ../../</a:t>
+            </a:r>
+            <a:r>
+              <a:rPr lang="en-US" altLang="zh-CN" dirty="0" err="1">
+                <a:solidFill>
+                  <a:schemeClr val="bg1"/>
+                </a:solidFill>
+              </a:rPr>
+              <a:t>param</a:t>
+            </a:r>
+            <a:r>
+              <a:rPr lang="en-US" altLang="zh-CN" dirty="0">
+                <a:solidFill>
+                  <a:schemeClr val="bg1"/>
+                </a:solidFill>
+              </a:rPr>
+              <a:t>/</a:t>
+            </a:r>
+            <a:r>
+              <a:rPr lang="en-US" altLang="zh-CN" dirty="0" err="1">
+                <a:solidFill>
+                  <a:schemeClr val="bg1"/>
+                </a:solidFill>
+              </a:rPr>
+              <a:t>panorama.yaml</a:t>
+            </a:r>
+            <a:r>
+              <a:rPr lang="en-US" altLang="zh-CN" dirty="0">
+                <a:solidFill>
+                  <a:schemeClr val="bg1"/>
+                </a:solidFill>
+              </a:rPr>
+              <a:t> </a:t>
+            </a:r>
+          </a:p>
+          <a:p>
+            <a:r>
+              <a:rPr lang="en-US" altLang="zh-CN" dirty="0">
+                <a:solidFill>
+                  <a:schemeClr val="bg1"/>
+                </a:solidFill>
+              </a:rPr>
+              <a:t>-v ../../vocab/orb_vocab.dbow2 </a:t>
+            </a:r>
+          </a:p>
+          <a:p>
+            <a:r>
+              <a:rPr lang="en-US" altLang="zh-CN" dirty="0">
+                <a:solidFill>
+                  <a:schemeClr val="bg1"/>
+                </a:solidFill>
+              </a:rPr>
+              <a:t>-m D:\project\Stitching\dataset\insta360\0523_2\0523_2.mp4 </a:t>
+            </a:r>
+          </a:p>
+          <a:p>
+            <a:r>
+              <a:rPr lang="en-US" altLang="zh-CN" dirty="0">
+                <a:solidFill>
+                  <a:schemeClr val="bg1"/>
+                </a:solidFill>
+              </a:rPr>
+              <a:t>-p ./map.msg</a:t>
+            </a:r>
+            <a:endParaRPr lang="en-MY" dirty="0">
+              <a:solidFill>
+                <a:schemeClr val="bg1"/>
+              </a:solidFill>
+            </a:endParaRPr>
+          </a:p>
+          <a:p>
+            <a:endParaRPr lang="en-MY" dirty="0"/>
+          </a:p>
+        </p:txBody>
+      </p:sp>
+      <p:sp>
+        <p:nvSpPr>
+          <p:cNvPr id="4" name="文字方塊 3"/>
           <p:cNvSpPr txBox="1"/>
           <p:nvPr/>
         </p:nvSpPr>
         <p:spPr>
           <a:xfrm>
-            <a:off x="838200" y="1609389"/>
-            <a:ext cx="8178579" cy="369332"/>
+            <a:off x="442944" y="5145570"/>
+            <a:ext cx="2946640" cy="369332"/>
           </a:xfrm>
           <a:prstGeom prst="rect">
             <a:avLst/>
@@ -6971,364 +8045,70 @@
           <a:noFill/>
         </p:spPr>
         <p:txBody>
-          <a:bodyPr wrap="square" rtlCol="0">
+          <a:bodyPr wrap="none" rtlCol="0">
             <a:spAutoFit/>
           </a:bodyPr>
           <a:lstStyle/>
           <a:p>
-            <a:pPr marL="285750" indent="-285750">
-              <a:buFont typeface="Arial" panose="020B0604020202020204" pitchFamily="34" charset="0"/>
-              <a:buChar char="•"/>
-            </a:pPr>
             <a:r>
               <a:rPr lang="zh-CN" altLang="en-US" dirty="0" smtClean="0"/>
-              <a:t>先執行下列程式對</a:t>
+              <a:t>在算完</a:t>
             </a:r>
             <a:r>
               <a:rPr lang="en-US" altLang="zh-CN" dirty="0" smtClean="0"/>
-              <a:t>SLAM</a:t>
+              <a:t>Slam</a:t>
             </a:r>
             <a:r>
               <a:rPr lang="zh-CN" altLang="en-US" dirty="0" smtClean="0"/>
-              <a:t>資料做轉換輸出成</a:t>
-            </a:r>
-            <a:r>
-              <a:rPr lang="en-US" altLang="zh-CN" dirty="0" smtClean="0"/>
-              <a:t>.csv</a:t>
+              <a:t>以後就關閉程式</a:t>
             </a:r>
             <a:endParaRPr lang="en-MY" dirty="0"/>
           </a:p>
         </p:txBody>
       </p:sp>
-    </p:spTree>
-    <p:extLst>
-      <p:ext uri="{BB962C8B-B14F-4D97-AF65-F5344CB8AC3E}">
-        <p14:creationId xmlns:p14="http://schemas.microsoft.com/office/powerpoint/2010/main" val="974121509"/>
-      </p:ext>
-    </p:extLst>
-  </p:cSld>
-  <p:clrMapOvr>
-    <a:masterClrMapping/>
-  </p:clrMapOvr>
-  <p:transition>
-    <p:fade thruBlk="1"/>
-  </p:transition>
-</p:sld>
-</file>
-
-<file path=ppt/slides/slide18.xml><?xml version="1.0" encoding="utf-8"?>
-<p:sld xmlns:a="http://schemas.openxmlformats.org/drawingml/2006/main" xmlns:r="http://schemas.openxmlformats.org/officeDocument/2006/relationships" xmlns:p="http://schemas.openxmlformats.org/presentationml/2006/main">
-  <p:cSld>
-    <p:spTree>
-      <p:nvGrpSpPr>
-        <p:cNvPr id="1" name=""/>
-        <p:cNvGrpSpPr/>
-        <p:nvPr/>
-      </p:nvGrpSpPr>
-      <p:grpSpPr>
-        <a:xfrm>
-          <a:off x="0" y="0"/>
-          <a:ext cx="0" cy="0"/>
-          <a:chOff x="0" y="0"/>
-          <a:chExt cx="0" cy="0"/>
-        </a:xfrm>
-      </p:grpSpPr>
-      <p:sp>
-        <p:nvSpPr>
-          <p:cNvPr id="2" name="標題 1"/>
-          <p:cNvSpPr>
-            <a:spLocks noGrp="1"/>
-          </p:cNvSpPr>
-          <p:nvPr>
-            <p:ph type="title"/>
-          </p:nvPr>
-        </p:nvSpPr>
-        <p:spPr/>
-        <p:txBody>
-          <a:bodyPr/>
-          <a:lstStyle/>
-          <a:p>
-            <a:r>
-              <a:rPr lang="zh-CN" altLang="en-US" dirty="0" smtClean="0"/>
-              <a:t>測試資料</a:t>
-            </a:r>
-            <a:endParaRPr lang="en-MY" dirty="0"/>
-          </a:p>
-        </p:txBody>
-      </p:sp>
-      <p:sp>
-        <p:nvSpPr>
-          <p:cNvPr id="3" name="內容版面配置區 2"/>
-          <p:cNvSpPr>
-            <a:spLocks noGrp="1"/>
-          </p:cNvSpPr>
-          <p:nvPr>
-            <p:ph idx="1"/>
-          </p:nvPr>
-        </p:nvSpPr>
-        <p:spPr/>
-        <p:txBody>
-          <a:bodyPr/>
-          <a:lstStyle/>
-          <a:p>
-            <a:r>
-              <a:rPr lang="zh-CN" altLang="en-US" dirty="0" smtClean="0"/>
-              <a:t>測試資料我放在</a:t>
-            </a:r>
-            <a:r>
-              <a:rPr lang="en-US" altLang="zh-CN" dirty="0" smtClean="0"/>
-              <a:t>ftp</a:t>
-            </a:r>
-          </a:p>
-          <a:p>
-            <a:endParaRPr lang="en-US" dirty="0"/>
-          </a:p>
-          <a:p>
-            <a:r>
-              <a:rPr lang="zh-CN" altLang="en-US" dirty="0" smtClean="0"/>
-              <a:t>測試資料位子</a:t>
-            </a:r>
-            <a:r>
-              <a:rPr lang="en-US" altLang="zh-CN" dirty="0" smtClean="0"/>
-              <a:t>/</a:t>
-            </a:r>
-            <a:r>
-              <a:rPr lang="en-MY" dirty="0" err="1" smtClean="0"/>
-              <a:t>ResearchData</a:t>
-            </a:r>
-            <a:r>
-              <a:rPr lang="en-MY" dirty="0" smtClean="0"/>
-              <a:t>/111_YongDa/</a:t>
-            </a:r>
-            <a:r>
-              <a:rPr lang="en-MY" dirty="0" err="1" smtClean="0"/>
-              <a:t>testData</a:t>
-            </a:r>
-            <a:endParaRPr lang="en-MY" dirty="0"/>
-          </a:p>
-        </p:txBody>
-      </p:sp>
-    </p:spTree>
-    <p:extLst>
-      <p:ext uri="{BB962C8B-B14F-4D97-AF65-F5344CB8AC3E}">
-        <p14:creationId xmlns:p14="http://schemas.microsoft.com/office/powerpoint/2010/main" val="2934740636"/>
-      </p:ext>
-    </p:extLst>
-  </p:cSld>
-  <p:clrMapOvr>
-    <a:masterClrMapping/>
-  </p:clrMapOvr>
-  <p:transition>
-    <p:fade thruBlk="1"/>
-  </p:transition>
-</p:sld>
-</file>
-
-<file path=ppt/slides/slide19.xml><?xml version="1.0" encoding="utf-8"?>
-<p:sld xmlns:a="http://schemas.openxmlformats.org/drawingml/2006/main" xmlns:r="http://schemas.openxmlformats.org/officeDocument/2006/relationships" xmlns:p="http://schemas.openxmlformats.org/presentationml/2006/main">
-  <p:cSld>
-    <p:spTree>
-      <p:nvGrpSpPr>
-        <p:cNvPr id="1" name=""/>
-        <p:cNvGrpSpPr/>
-        <p:nvPr/>
-      </p:nvGrpSpPr>
-      <p:grpSpPr>
-        <a:xfrm>
-          <a:off x="0" y="0"/>
-          <a:ext cx="0" cy="0"/>
-          <a:chOff x="0" y="0"/>
-          <a:chExt cx="0" cy="0"/>
-        </a:xfrm>
-      </p:grpSpPr>
-      <p:sp>
-        <p:nvSpPr>
-          <p:cNvPr id="2" name="標題 1"/>
-          <p:cNvSpPr>
-            <a:spLocks noGrp="1"/>
-          </p:cNvSpPr>
-          <p:nvPr>
-            <p:ph type="title"/>
-          </p:nvPr>
-        </p:nvSpPr>
-        <p:spPr/>
-        <p:txBody>
-          <a:bodyPr/>
-          <a:lstStyle/>
-          <a:p>
-            <a:r>
-              <a:rPr lang="zh-CN" altLang="en-US" dirty="0" smtClean="0"/>
-              <a:t>輸入資料格式</a:t>
-            </a:r>
-            <a:endParaRPr lang="en-MY" dirty="0"/>
-          </a:p>
-        </p:txBody>
-      </p:sp>
-      <p:sp>
-        <p:nvSpPr>
-          <p:cNvPr id="3" name="內容版面配置區 2"/>
-          <p:cNvSpPr>
-            <a:spLocks noGrp="1"/>
-          </p:cNvSpPr>
-          <p:nvPr>
-            <p:ph idx="1"/>
-          </p:nvPr>
-        </p:nvSpPr>
-        <p:spPr/>
-        <p:txBody>
-          <a:bodyPr/>
-          <a:lstStyle/>
-          <a:p>
-            <a:endParaRPr lang="en-MY" dirty="0"/>
-          </a:p>
-        </p:txBody>
-      </p:sp>
-    </p:spTree>
-    <p:extLst>
-      <p:ext uri="{BB962C8B-B14F-4D97-AF65-F5344CB8AC3E}">
-        <p14:creationId xmlns:p14="http://schemas.microsoft.com/office/powerpoint/2010/main" val="729652849"/>
-      </p:ext>
-    </p:extLst>
-  </p:cSld>
-  <p:clrMapOvr>
-    <a:masterClrMapping/>
-  </p:clrMapOvr>
-  <p:transition>
-    <p:fade thruBlk="1"/>
-  </p:transition>
-</p:sld>
-</file>
-
-<file path=ppt/slides/slide2.xml><?xml version="1.0" encoding="utf-8"?>
-<p:sld xmlns:a="http://schemas.openxmlformats.org/drawingml/2006/main" xmlns:r="http://schemas.openxmlformats.org/officeDocument/2006/relationships" xmlns:p="http://schemas.openxmlformats.org/presentationml/2006/main">
-  <p:cSld>
-    <p:spTree>
-      <p:nvGrpSpPr>
-        <p:cNvPr id="1" name=""/>
-        <p:cNvGrpSpPr/>
-        <p:nvPr/>
-      </p:nvGrpSpPr>
-      <p:grpSpPr>
-        <a:xfrm>
-          <a:off x="0" y="0"/>
-          <a:ext cx="0" cy="0"/>
-          <a:chOff x="0" y="0"/>
-          <a:chExt cx="0" cy="0"/>
-        </a:xfrm>
-      </p:grpSpPr>
-      <p:sp>
-        <p:nvSpPr>
-          <p:cNvPr id="2" name="標題 1"/>
-          <p:cNvSpPr>
-            <a:spLocks noGrp="1"/>
-          </p:cNvSpPr>
-          <p:nvPr>
-            <p:ph type="ctrTitle"/>
-          </p:nvPr>
-        </p:nvSpPr>
-        <p:spPr/>
-        <p:txBody>
-          <a:bodyPr/>
-          <a:lstStyle/>
-          <a:p>
-            <a:r>
-              <a:rPr lang="zh-CN" altLang="en-US" dirty="0" smtClean="0"/>
-              <a:t>建立環境</a:t>
-            </a:r>
-            <a:endParaRPr lang="en-MY" dirty="0"/>
-          </a:p>
-        </p:txBody>
-      </p:sp>
-    </p:spTree>
-    <p:extLst>
-      <p:ext uri="{BB962C8B-B14F-4D97-AF65-F5344CB8AC3E}">
-        <p14:creationId xmlns:p14="http://schemas.microsoft.com/office/powerpoint/2010/main" val="709613259"/>
-      </p:ext>
-    </p:extLst>
-  </p:cSld>
-  <p:clrMapOvr>
-    <a:masterClrMapping/>
-  </p:clrMapOvr>
-  <p:transition>
-    <p:fade thruBlk="1"/>
-  </p:transition>
-</p:sld>
-</file>
-
-<file path=ppt/slides/slide20.xml><?xml version="1.0" encoding="utf-8"?>
-<p:sld xmlns:a="http://schemas.openxmlformats.org/drawingml/2006/main" xmlns:r="http://schemas.openxmlformats.org/officeDocument/2006/relationships" xmlns:p="http://schemas.openxmlformats.org/presentationml/2006/main">
-  <p:cSld>
-    <p:spTree>
-      <p:nvGrpSpPr>
-        <p:cNvPr id="1" name=""/>
-        <p:cNvGrpSpPr/>
-        <p:nvPr/>
-      </p:nvGrpSpPr>
-      <p:grpSpPr>
-        <a:xfrm>
-          <a:off x="0" y="0"/>
-          <a:ext cx="0" cy="0"/>
-          <a:chOff x="0" y="0"/>
-          <a:chExt cx="0" cy="0"/>
-        </a:xfrm>
-      </p:grpSpPr>
-      <p:sp>
-        <p:nvSpPr>
-          <p:cNvPr id="2" name="標題 1"/>
-          <p:cNvSpPr>
-            <a:spLocks noGrp="1"/>
-          </p:cNvSpPr>
-          <p:nvPr>
-            <p:ph type="title"/>
-          </p:nvPr>
-        </p:nvSpPr>
-        <p:spPr/>
-        <p:txBody>
-          <a:bodyPr/>
-          <a:lstStyle/>
-          <a:p>
-            <a:r>
-              <a:rPr lang="zh-CN" altLang="en-US" dirty="0" smtClean="0"/>
-              <a:t>執行程式</a:t>
-            </a:r>
-            <a:endParaRPr lang="en-MY" dirty="0"/>
-          </a:p>
-        </p:txBody>
-      </p:sp>
-      <p:pic>
-        <p:nvPicPr>
-          <p:cNvPr id="4" name="圖片 3"/>
-          <p:cNvPicPr>
-            <a:picLocks noChangeAspect="1"/>
-          </p:cNvPicPr>
+      <p:cxnSp>
+        <p:nvCxnSpPr>
+          <p:cNvPr id="16" name="直線單箭頭接點 15"/>
+          <p:cNvCxnSpPr/>
           <p:nvPr/>
-        </p:nvPicPr>
-        <p:blipFill>
-          <a:blip r:embed="rId2"/>
-          <a:stretch>
-            <a:fillRect/>
-          </a:stretch>
-        </p:blipFill>
+        </p:nvCxnSpPr>
+        <p:spPr>
+          <a:xfrm flipV="1">
+            <a:off x="3269943" y="5219709"/>
+            <a:ext cx="1131213" cy="143447"/>
+          </a:xfrm>
+          <a:prstGeom prst="straightConnector1">
+            <a:avLst/>
+          </a:prstGeom>
+          <a:ln>
+            <a:tailEnd type="triangle"/>
+          </a:ln>
+        </p:spPr>
+        <p:style>
+          <a:lnRef idx="1">
+            <a:schemeClr val="accent1"/>
+          </a:lnRef>
+          <a:fillRef idx="0">
+            <a:schemeClr val="accent1"/>
+          </a:fillRef>
+          <a:effectRef idx="0">
+            <a:schemeClr val="accent1"/>
+          </a:effectRef>
+          <a:fontRef idx="minor">
+            <a:schemeClr val="tx1"/>
+          </a:fontRef>
+        </p:style>
+      </p:cxnSp>
+      <p:sp>
+        <p:nvSpPr>
+          <p:cNvPr id="11" name="文字方塊 10"/>
+          <p:cNvSpPr txBox="1"/>
+          <p:nvPr/>
+        </p:nvSpPr>
         <p:spPr>
           <a:xfrm>
-            <a:off x="2554618" y="3679593"/>
-            <a:ext cx="8116433" cy="1152686"/>
-          </a:xfrm>
-          <a:prstGeom prst="rect">
-            <a:avLst/>
-          </a:prstGeom>
-        </p:spPr>
-      </p:pic>
-      <p:sp>
-        <p:nvSpPr>
-          <p:cNvPr id="5" name="文字方塊 4"/>
-          <p:cNvSpPr txBox="1"/>
-          <p:nvPr/>
-        </p:nvSpPr>
-        <p:spPr>
-          <a:xfrm>
-            <a:off x="1041619" y="1761810"/>
-            <a:ext cx="7749237" cy="923330"/>
+            <a:off x="298915" y="3518453"/>
+            <a:ext cx="1412566" cy="369332"/>
           </a:xfrm>
           <a:prstGeom prst="rect">
             <a:avLst/>
@@ -7342,65 +8122,12 @@
           <a:lstStyle/>
           <a:p>
             <a:r>
-              <a:rPr lang="en-US" altLang="zh-CN" dirty="0" smtClean="0"/>
-              <a:t>-</a:t>
-            </a:r>
-            <a:r>
-              <a:rPr lang="en-US" altLang="zh-CN" dirty="0" err="1" smtClean="0"/>
-              <a:t>i</a:t>
-            </a:r>
-            <a:r>
-              <a:rPr lang="en-US" altLang="zh-CN" dirty="0" smtClean="0"/>
-              <a:t>/--input</a:t>
-            </a:r>
-            <a:r>
-              <a:rPr lang="zh-CN" altLang="en-US" dirty="0" smtClean="0"/>
-              <a:t>：輸入資料夾</a:t>
-            </a:r>
-            <a:endParaRPr lang="en-US" altLang="zh-CN" dirty="0" smtClean="0"/>
-          </a:p>
-          <a:p>
-            <a:r>
-              <a:rPr lang="en-US" altLang="zh-CN" dirty="0" smtClean="0"/>
-              <a:t>-o/--output:  </a:t>
-            </a:r>
-            <a:r>
-              <a:rPr lang="zh-CN" altLang="en-US" dirty="0" smtClean="0"/>
-              <a:t>輸出資料夾</a:t>
-            </a:r>
-            <a:r>
-              <a:rPr lang="en-US" altLang="zh-CN" dirty="0" smtClean="0"/>
-              <a:t>(default: ./output)</a:t>
-            </a:r>
-          </a:p>
-          <a:p>
-            <a:r>
-              <a:rPr lang="en-US" altLang="zh-CN" dirty="0" smtClean="0"/>
-              <a:t>-d/--debug: Debug</a:t>
-            </a:r>
-            <a:r>
-              <a:rPr lang="zh-CN" altLang="en-US" dirty="0" smtClean="0"/>
-              <a:t>模式</a:t>
-            </a:r>
-            <a:r>
-              <a:rPr lang="en-US" altLang="zh-CN" dirty="0" smtClean="0"/>
-              <a:t>(debug</a:t>
-            </a:r>
-            <a:r>
-              <a:rPr lang="zh-CN" altLang="en-US" dirty="0" smtClean="0"/>
-              <a:t>模式輸出一些</a:t>
-            </a:r>
-            <a:r>
-              <a:rPr lang="en-US" altLang="zh-CN" dirty="0" smtClean="0"/>
-              <a:t>Debug</a:t>
-            </a:r>
-            <a:r>
-              <a:rPr lang="zh-CN" altLang="en-US" dirty="0" smtClean="0"/>
-              <a:t>結果，輸出資料夾</a:t>
-            </a:r>
-            <a:r>
-              <a:rPr lang="en-US" altLang="zh-CN" dirty="0" smtClean="0"/>
-              <a:t>./debug) </a:t>
+              <a:rPr lang="en-US" dirty="0" smtClean="0"/>
+              <a:t>Output: .</a:t>
+            </a:r>
+            <a:r>
+              <a:rPr lang="en-US" dirty="0" err="1" smtClean="0"/>
+              <a:t>msg</a:t>
             </a:r>
             <a:endParaRPr lang="en-MY" dirty="0"/>
           </a:p>
@@ -7409,7 +8136,7 @@
     </p:spTree>
     <p:extLst>
       <p:ext uri="{BB962C8B-B14F-4D97-AF65-F5344CB8AC3E}">
-        <p14:creationId xmlns:p14="http://schemas.microsoft.com/office/powerpoint/2010/main" val="1172458137"/>
+        <p14:creationId xmlns:p14="http://schemas.microsoft.com/office/powerpoint/2010/main" val="2393691346"/>
       </p:ext>
     </p:extLst>
   </p:cSld>
@@ -7454,33 +8181,165 @@
           <a:bodyPr/>
           <a:lstStyle/>
           <a:p>
-            <a:endParaRPr lang="en-MY"/>
-          </a:p>
-        </p:txBody>
-      </p:sp>
-      <p:sp>
-        <p:nvSpPr>
-          <p:cNvPr id="3" name="內容版面配置區 2"/>
-          <p:cNvSpPr>
-            <a:spLocks noGrp="1"/>
-          </p:cNvSpPr>
-          <p:nvPr>
-            <p:ph idx="1"/>
-          </p:nvPr>
-        </p:nvSpPr>
-        <p:spPr/>
-        <p:txBody>
-          <a:bodyPr/>
-          <a:lstStyle/>
-          <a:p>
-            <a:endParaRPr lang="en-MY"/>
-          </a:p>
-        </p:txBody>
-      </p:sp>
+            <a:r>
+              <a:rPr lang="en-US" altLang="zh-CN" dirty="0" smtClean="0"/>
+              <a:t>SLAM </a:t>
+            </a:r>
+            <a:r>
+              <a:rPr lang="zh-CN" altLang="en-US" dirty="0" smtClean="0"/>
+              <a:t>資料前處理</a:t>
+            </a:r>
+            <a:endParaRPr lang="en-MY" dirty="0"/>
+          </a:p>
+        </p:txBody>
+      </p:sp>
+      <p:sp>
+        <p:nvSpPr>
+          <p:cNvPr id="5" name="文字方塊 4"/>
+          <p:cNvSpPr txBox="1"/>
+          <p:nvPr/>
+        </p:nvSpPr>
+        <p:spPr>
+          <a:xfrm>
+            <a:off x="838200" y="1443530"/>
+            <a:ext cx="8178579" cy="923330"/>
+          </a:xfrm>
+          <a:prstGeom prst="rect">
+            <a:avLst/>
+          </a:prstGeom>
+          <a:noFill/>
+        </p:spPr>
+        <p:txBody>
+          <a:bodyPr wrap="square" rtlCol="0">
+            <a:spAutoFit/>
+          </a:bodyPr>
+          <a:lstStyle/>
+          <a:p>
+            <a:pPr marL="285750" indent="-285750">
+              <a:buFont typeface="Arial" panose="020B0604020202020204" pitchFamily="34" charset="0"/>
+              <a:buChar char="•"/>
+            </a:pPr>
+            <a:r>
+              <a:rPr lang="zh-CN" altLang="en-US" dirty="0" smtClean="0"/>
+              <a:t>先執行下列程式對</a:t>
+            </a:r>
+            <a:r>
+              <a:rPr lang="en-US" altLang="zh-CN" dirty="0" smtClean="0"/>
+              <a:t>SLAM</a:t>
+            </a:r>
+            <a:r>
+              <a:rPr lang="zh-CN" altLang="en-US" dirty="0" smtClean="0"/>
+              <a:t>輸出的結果</a:t>
+            </a:r>
+            <a:r>
+              <a:rPr lang="en-US" altLang="zh-CN" dirty="0" smtClean="0"/>
+              <a:t>(.</a:t>
+            </a:r>
+            <a:r>
+              <a:rPr lang="en-US" altLang="zh-CN" dirty="0" err="1" smtClean="0"/>
+              <a:t>msg</a:t>
+            </a:r>
+            <a:r>
+              <a:rPr lang="en-US" altLang="zh-CN" dirty="0" smtClean="0"/>
+              <a:t>)</a:t>
+            </a:r>
+            <a:r>
+              <a:rPr lang="zh-CN" altLang="en-US" dirty="0" smtClean="0"/>
+              <a:t>轉換成</a:t>
+            </a:r>
+            <a:r>
+              <a:rPr lang="en-US" altLang="zh-CN" dirty="0" smtClean="0"/>
+              <a:t>.csv</a:t>
+            </a:r>
+          </a:p>
+          <a:p>
+            <a:pPr marL="285750" indent="-285750">
+              <a:buFont typeface="Arial" panose="020B0604020202020204" pitchFamily="34" charset="0"/>
+              <a:buChar char="•"/>
+            </a:pPr>
+            <a:r>
+              <a:rPr lang="zh-CN" altLang="en-US" dirty="0" smtClean="0"/>
+              <a:t>程式在</a:t>
+            </a:r>
+            <a:r>
+              <a:rPr lang="en-US" altLang="zh-CN" dirty="0" err="1"/>
+              <a:t>Meshreconstruction</a:t>
+            </a:r>
+            <a:r>
+              <a:rPr lang="zh-CN" altLang="en-US" dirty="0"/>
+              <a:t>專案裡</a:t>
+            </a:r>
+            <a:r>
+              <a:rPr lang="zh-CN" altLang="en-US" dirty="0" smtClean="0"/>
+              <a:t>。</a:t>
+            </a:r>
+            <a:r>
+              <a:rPr lang="en-MY" altLang="zh-CN" dirty="0" smtClean="0"/>
+              <a:t>(msgToCSV.py)</a:t>
+            </a:r>
+            <a:endParaRPr lang="en-US" altLang="zh-CN" dirty="0" smtClean="0"/>
+          </a:p>
+          <a:p>
+            <a:pPr marL="285750" indent="-285750">
+              <a:buFont typeface="Arial" panose="020B0604020202020204" pitchFamily="34" charset="0"/>
+              <a:buChar char="•"/>
+            </a:pPr>
+            <a:endParaRPr lang="en-MY" dirty="0"/>
+          </a:p>
+        </p:txBody>
+      </p:sp>
+      <p:pic>
+        <p:nvPicPr>
+          <p:cNvPr id="8" name="圖片 7"/>
+          <p:cNvPicPr>
+            <a:picLocks noChangeAspect="1"/>
+          </p:cNvPicPr>
+          <p:nvPr/>
+        </p:nvPicPr>
+        <p:blipFill>
+          <a:blip r:embed="rId2"/>
+          <a:stretch>
+            <a:fillRect/>
+          </a:stretch>
+        </p:blipFill>
+        <p:spPr>
+          <a:xfrm>
+            <a:off x="3278391" y="4230438"/>
+            <a:ext cx="4798239" cy="1661479"/>
+          </a:xfrm>
+          <a:prstGeom prst="rect">
+            <a:avLst/>
+          </a:prstGeom>
+        </p:spPr>
+      </p:pic>
+      <p:pic>
+        <p:nvPicPr>
+          <p:cNvPr id="9" name="圖片 8"/>
+          <p:cNvPicPr>
+            <a:picLocks noChangeAspect="1"/>
+          </p:cNvPicPr>
+          <p:nvPr/>
+        </p:nvPicPr>
+        <p:blipFill>
+          <a:blip r:embed="rId3"/>
+          <a:stretch>
+            <a:fillRect/>
+          </a:stretch>
+        </p:blipFill>
+        <p:spPr>
+          <a:xfrm>
+            <a:off x="3278391" y="2182092"/>
+            <a:ext cx="4839375" cy="1810003"/>
+          </a:xfrm>
+          <a:prstGeom prst="rect">
+            <a:avLst/>
+          </a:prstGeom>
+        </p:spPr>
+      </p:pic>
     </p:spTree>
     <p:extLst>
       <p:ext uri="{BB962C8B-B14F-4D97-AF65-F5344CB8AC3E}">
-        <p14:creationId xmlns:p14="http://schemas.microsoft.com/office/powerpoint/2010/main" val="633817848"/>
+        <p14:creationId xmlns:p14="http://schemas.microsoft.com/office/powerpoint/2010/main" val="974121509"/>
       </p:ext>
     </p:extLst>
   </p:cSld>
@@ -7525,36 +8384,201 @@
           <a:bodyPr/>
           <a:lstStyle/>
           <a:p>
-            <a:endParaRPr lang="en-MY"/>
-          </a:p>
-        </p:txBody>
-      </p:sp>
-      <p:sp>
-        <p:nvSpPr>
-          <p:cNvPr id="3" name="內容版面配置區 2"/>
-          <p:cNvSpPr>
-            <a:spLocks noGrp="1"/>
-          </p:cNvSpPr>
+            <a:r>
+              <a:rPr lang="zh-CN" altLang="en-US" dirty="0" smtClean="0"/>
+              <a:t>輸入</a:t>
+            </a:r>
+            <a:r>
+              <a:rPr lang="zh-CN" altLang="en-US" dirty="0" smtClean="0"/>
+              <a:t>資料夾格式</a:t>
+            </a:r>
+            <a:endParaRPr lang="en-MY" dirty="0"/>
+          </a:p>
+        </p:txBody>
+      </p:sp>
+      <p:pic>
+        <p:nvPicPr>
+          <p:cNvPr id="4" name="內容版面配置區 3"/>
+          <p:cNvPicPr>
+            <a:picLocks noGrp="1" noChangeAspect="1"/>
+          </p:cNvPicPr>
           <p:nvPr>
             <p:ph idx="1"/>
           </p:nvPr>
-        </p:nvSpPr>
-        <p:spPr/>
-        <p:txBody>
-          <a:bodyPr/>
-          <a:lstStyle/>
-          <a:p>
-            <a:r>
-              <a:rPr lang="en-US" dirty="0"/>
-              <a:t>RoadMeshReconstruction.exe -</a:t>
-            </a:r>
-            <a:r>
-              <a:rPr lang="en-US" dirty="0" err="1"/>
-              <a:t>i</a:t>
-            </a:r>
-            <a:r>
-              <a:rPr lang="en-US" dirty="0"/>
-              <a:t> D:\project\Stitching\dataset\insta360\0523_2 -o ./output</a:t>
+        </p:nvPicPr>
+        <p:blipFill>
+          <a:blip r:embed="rId2"/>
+          <a:stretch>
+            <a:fillRect/>
+          </a:stretch>
+        </p:blipFill>
+        <p:spPr>
+          <a:xfrm>
+            <a:off x="5232559" y="2685915"/>
+            <a:ext cx="3797630" cy="1759452"/>
+          </a:xfrm>
+          <a:prstGeom prst="rect">
+            <a:avLst/>
+          </a:prstGeom>
+        </p:spPr>
+      </p:pic>
+      <p:sp>
+        <p:nvSpPr>
+          <p:cNvPr id="6" name="文字方塊 5"/>
+          <p:cNvSpPr txBox="1"/>
+          <p:nvPr/>
+        </p:nvSpPr>
+        <p:spPr>
+          <a:xfrm>
+            <a:off x="747423" y="1441983"/>
+            <a:ext cx="2509213" cy="4247317"/>
+          </a:xfrm>
+          <a:prstGeom prst="rect">
+            <a:avLst/>
+          </a:prstGeom>
+          <a:noFill/>
+        </p:spPr>
+        <p:txBody>
+          <a:bodyPr wrap="none" rtlCol="0">
+            <a:spAutoFit/>
+          </a:bodyPr>
+          <a:lstStyle/>
+          <a:p>
+            <a:r>
+              <a:rPr lang="en-MY" dirty="0"/>
+              <a:t>.</a:t>
+            </a:r>
+          </a:p>
+          <a:p>
+            <a:r>
+              <a:rPr lang="en-MY" dirty="0"/>
+              <a:t>├── </a:t>
+            </a:r>
+            <a:r>
+              <a:rPr lang="en-MY" dirty="0" err="1"/>
+              <a:t>rgb</a:t>
+            </a:r>
+            <a:endParaRPr lang="en-MY" dirty="0"/>
+          </a:p>
+          <a:p>
+            <a:r>
+              <a:rPr lang="en-MY" dirty="0"/>
+              <a:t>│   ├── 0.jpg</a:t>
+            </a:r>
+          </a:p>
+          <a:p>
+            <a:r>
+              <a:rPr lang="en-MY" dirty="0"/>
+              <a:t>│   ├── 1.jpg</a:t>
+            </a:r>
+          </a:p>
+          <a:p>
+            <a:r>
+              <a:rPr lang="en-MY" dirty="0"/>
+              <a:t>│   └── ...</a:t>
+            </a:r>
+          </a:p>
+          <a:p>
+            <a:r>
+              <a:rPr lang="en-MY" dirty="0"/>
+              <a:t>├── </a:t>
+            </a:r>
+            <a:r>
+              <a:rPr lang="en-MY" dirty="0" err="1"/>
+              <a:t>seg</a:t>
+            </a:r>
+            <a:endParaRPr lang="en-MY" dirty="0"/>
+          </a:p>
+          <a:p>
+            <a:r>
+              <a:rPr lang="en-MY" dirty="0"/>
+              <a:t>│   ├── 0_prediction.png</a:t>
+            </a:r>
+          </a:p>
+          <a:p>
+            <a:r>
+              <a:rPr lang="en-MY" dirty="0"/>
+              <a:t>│   ├── 1_prediction.png</a:t>
+            </a:r>
+          </a:p>
+          <a:p>
+            <a:r>
+              <a:rPr lang="en-MY" dirty="0"/>
+              <a:t>│   └── ... </a:t>
+            </a:r>
+          </a:p>
+          <a:p>
+            <a:r>
+              <a:rPr lang="en-MY" dirty="0"/>
+              <a:t>├── depth</a:t>
+            </a:r>
+          </a:p>
+          <a:p>
+            <a:r>
+              <a:rPr lang="en-MY" dirty="0"/>
+              <a:t>│   ├── 0_disp.npy</a:t>
+            </a:r>
+          </a:p>
+          <a:p>
+            <a:r>
+              <a:rPr lang="en-MY" dirty="0"/>
+              <a:t>│   ├── 1_disp.npy</a:t>
+            </a:r>
+          </a:p>
+          <a:p>
+            <a:r>
+              <a:rPr lang="en-MY" dirty="0"/>
+              <a:t>│   └── ...</a:t>
+            </a:r>
+          </a:p>
+          <a:p>
+            <a:r>
+              <a:rPr lang="en-MY" dirty="0"/>
+              <a:t>└── slamData.csv</a:t>
+            </a:r>
+          </a:p>
+          <a:p>
+            <a:endParaRPr lang="en-MY" dirty="0"/>
+          </a:p>
+        </p:txBody>
+      </p:sp>
+      <p:sp>
+        <p:nvSpPr>
+          <p:cNvPr id="7" name="文字方塊 6"/>
+          <p:cNvSpPr txBox="1"/>
+          <p:nvPr/>
+        </p:nvSpPr>
+        <p:spPr>
+          <a:xfrm>
+            <a:off x="838200" y="1321356"/>
+            <a:ext cx="4174156" cy="369332"/>
+          </a:xfrm>
+          <a:prstGeom prst="rect">
+            <a:avLst/>
+          </a:prstGeom>
+          <a:noFill/>
+        </p:spPr>
+        <p:txBody>
+          <a:bodyPr wrap="none" rtlCol="0">
+            <a:spAutoFit/>
+          </a:bodyPr>
+          <a:lstStyle/>
+          <a:p>
+            <a:r>
+              <a:rPr lang="zh-CN" altLang="en-US" dirty="0"/>
+              <a:t>資料夾</a:t>
+            </a:r>
+            <a:r>
+              <a:rPr lang="zh-CN" altLang="en-US" dirty="0" smtClean="0"/>
+              <a:t>名字與</a:t>
+            </a:r>
+            <a:r>
+              <a:rPr lang="en-US" altLang="zh-CN" dirty="0" smtClean="0"/>
+              <a:t>slamData.csv</a:t>
+            </a:r>
+            <a:r>
+              <a:rPr lang="zh-CN" altLang="en-US" dirty="0" smtClean="0"/>
+              <a:t>的名字要對到</a:t>
             </a:r>
             <a:endParaRPr lang="en-MY" dirty="0"/>
           </a:p>
@@ -7563,7 +8587,7 @@
     </p:spTree>
     <p:extLst>
       <p:ext uri="{BB962C8B-B14F-4D97-AF65-F5344CB8AC3E}">
-        <p14:creationId xmlns:p14="http://schemas.microsoft.com/office/powerpoint/2010/main" val="812274747"/>
+        <p14:creationId xmlns:p14="http://schemas.microsoft.com/office/powerpoint/2010/main" val="729652849"/>
       </p:ext>
     </p:extLst>
   </p:cSld>
@@ -7608,33 +8632,261 @@
           <a:bodyPr/>
           <a:lstStyle/>
           <a:p>
+            <a:r>
+              <a:rPr lang="zh-CN" altLang="en-US" dirty="0" smtClean="0"/>
+              <a:t>執行程式</a:t>
+            </a:r>
             <a:endParaRPr lang="en-MY" dirty="0"/>
           </a:p>
         </p:txBody>
       </p:sp>
-      <p:sp>
-        <p:nvSpPr>
-          <p:cNvPr id="3" name="內容版面配置區 2"/>
-          <p:cNvSpPr>
-            <a:spLocks noGrp="1"/>
-          </p:cNvSpPr>
-          <p:nvPr>
-            <p:ph idx="1"/>
-          </p:nvPr>
-        </p:nvSpPr>
-        <p:spPr/>
-        <p:txBody>
-          <a:bodyPr/>
-          <a:lstStyle/>
-          <a:p>
-            <a:endParaRPr lang="en-MY"/>
+      <p:pic>
+        <p:nvPicPr>
+          <p:cNvPr id="4" name="圖片 3"/>
+          <p:cNvPicPr>
+            <a:picLocks noChangeAspect="1"/>
+          </p:cNvPicPr>
+          <p:nvPr/>
+        </p:nvPicPr>
+        <p:blipFill>
+          <a:blip r:embed="rId2"/>
+          <a:stretch>
+            <a:fillRect/>
+          </a:stretch>
+        </p:blipFill>
+        <p:spPr>
+          <a:xfrm>
+            <a:off x="1735634" y="4156671"/>
+            <a:ext cx="8116433" cy="1152686"/>
+          </a:xfrm>
+          <a:prstGeom prst="rect">
+            <a:avLst/>
+          </a:prstGeom>
+        </p:spPr>
+      </p:pic>
+      <p:sp>
+        <p:nvSpPr>
+          <p:cNvPr id="5" name="文字方塊 4"/>
+          <p:cNvSpPr txBox="1"/>
+          <p:nvPr/>
+        </p:nvSpPr>
+        <p:spPr>
+          <a:xfrm>
+            <a:off x="1041619" y="1761810"/>
+            <a:ext cx="7749237" cy="923330"/>
+          </a:xfrm>
+          <a:prstGeom prst="rect">
+            <a:avLst/>
+          </a:prstGeom>
+          <a:noFill/>
+        </p:spPr>
+        <p:txBody>
+          <a:bodyPr wrap="none" rtlCol="0">
+            <a:spAutoFit/>
+          </a:bodyPr>
+          <a:lstStyle/>
+          <a:p>
+            <a:r>
+              <a:rPr lang="en-US" altLang="zh-CN" dirty="0" smtClean="0"/>
+              <a:t>-</a:t>
+            </a:r>
+            <a:r>
+              <a:rPr lang="en-US" altLang="zh-CN" dirty="0" err="1" smtClean="0"/>
+              <a:t>i</a:t>
+            </a:r>
+            <a:r>
+              <a:rPr lang="en-US" altLang="zh-CN" dirty="0" smtClean="0"/>
+              <a:t>/--input</a:t>
+            </a:r>
+            <a:r>
+              <a:rPr lang="zh-CN" altLang="en-US" dirty="0" smtClean="0"/>
+              <a:t>：輸入資料夾</a:t>
+            </a:r>
+            <a:endParaRPr lang="en-US" altLang="zh-CN" dirty="0" smtClean="0"/>
+          </a:p>
+          <a:p>
+            <a:r>
+              <a:rPr lang="en-US" altLang="zh-CN" dirty="0" smtClean="0"/>
+              <a:t>-o/--output:  </a:t>
+            </a:r>
+            <a:r>
+              <a:rPr lang="zh-CN" altLang="en-US" dirty="0" smtClean="0"/>
+              <a:t>輸出資料夾</a:t>
+            </a:r>
+            <a:r>
+              <a:rPr lang="en-US" altLang="zh-CN" dirty="0" smtClean="0"/>
+              <a:t>(default: ./output)</a:t>
+            </a:r>
+          </a:p>
+          <a:p>
+            <a:r>
+              <a:rPr lang="en-US" altLang="zh-CN" dirty="0" smtClean="0"/>
+              <a:t>-d/--debug: Debug</a:t>
+            </a:r>
+            <a:r>
+              <a:rPr lang="zh-CN" altLang="en-US" dirty="0" smtClean="0"/>
+              <a:t>模式</a:t>
+            </a:r>
+            <a:r>
+              <a:rPr lang="en-US" altLang="zh-CN" dirty="0" smtClean="0"/>
+              <a:t>(debug</a:t>
+            </a:r>
+            <a:r>
+              <a:rPr lang="zh-CN" altLang="en-US" dirty="0" smtClean="0"/>
+              <a:t>模式輸出一些</a:t>
+            </a:r>
+            <a:r>
+              <a:rPr lang="en-US" altLang="zh-CN" dirty="0" smtClean="0"/>
+              <a:t>Debug</a:t>
+            </a:r>
+            <a:r>
+              <a:rPr lang="zh-CN" altLang="en-US" dirty="0" smtClean="0"/>
+              <a:t>結果，輸出資料夾</a:t>
+            </a:r>
+            <a:r>
+              <a:rPr lang="en-US" altLang="zh-CN" dirty="0" smtClean="0"/>
+              <a:t>./debug) </a:t>
+            </a:r>
+            <a:endParaRPr lang="en-MY" dirty="0"/>
+          </a:p>
+        </p:txBody>
+      </p:sp>
+      <p:sp>
+        <p:nvSpPr>
+          <p:cNvPr id="3" name="矩形 2"/>
+          <p:cNvSpPr/>
+          <p:nvPr/>
+        </p:nvSpPr>
+        <p:spPr>
+          <a:xfrm>
+            <a:off x="1131735" y="2859201"/>
+            <a:ext cx="10310191" cy="369332"/>
+          </a:xfrm>
+          <a:prstGeom prst="rect">
+            <a:avLst/>
+          </a:prstGeom>
+        </p:spPr>
+        <p:txBody>
+          <a:bodyPr wrap="square">
+            <a:spAutoFit/>
+          </a:bodyPr>
+          <a:lstStyle/>
+          <a:p>
+            <a:r>
+              <a:rPr lang="en-US" altLang="zh-CN" dirty="0" smtClean="0"/>
+              <a:t>Example:</a:t>
+            </a:r>
+          </a:p>
+        </p:txBody>
+      </p:sp>
+      <p:sp>
+        <p:nvSpPr>
+          <p:cNvPr id="6" name="文字方塊 5"/>
+          <p:cNvSpPr txBox="1"/>
+          <p:nvPr/>
+        </p:nvSpPr>
+        <p:spPr>
+          <a:xfrm>
+            <a:off x="1131735" y="3228533"/>
+            <a:ext cx="8613255" cy="369332"/>
+          </a:xfrm>
+          <a:prstGeom prst="rect">
+            <a:avLst/>
+          </a:prstGeom>
+          <a:solidFill>
+            <a:schemeClr val="accent1">
+              <a:lumMod val="75000"/>
+            </a:schemeClr>
+          </a:solidFill>
+        </p:spPr>
+        <p:txBody>
+          <a:bodyPr wrap="none" rtlCol="0">
+            <a:spAutoFit/>
+          </a:bodyPr>
+          <a:lstStyle/>
+          <a:p>
+            <a:r>
+              <a:rPr lang="en-US" dirty="0">
+                <a:solidFill>
+                  <a:schemeClr val="bg1"/>
+                </a:solidFill>
+              </a:rPr>
+              <a:t>RoadMeshReconstruction.exe -</a:t>
+            </a:r>
+            <a:r>
+              <a:rPr lang="en-US" dirty="0" err="1">
+                <a:solidFill>
+                  <a:schemeClr val="bg1"/>
+                </a:solidFill>
+              </a:rPr>
+              <a:t>i</a:t>
+            </a:r>
+            <a:r>
+              <a:rPr lang="en-US" dirty="0">
+                <a:solidFill>
+                  <a:schemeClr val="bg1"/>
+                </a:solidFill>
+              </a:rPr>
+              <a:t> D:\project\Stitching\dataset\insta360\0523_2 -o ./</a:t>
+            </a:r>
+            <a:r>
+              <a:rPr lang="en-US" dirty="0" smtClean="0">
+                <a:solidFill>
+                  <a:schemeClr val="bg1"/>
+                </a:solidFill>
+              </a:rPr>
+              <a:t>output</a:t>
+            </a:r>
+            <a:endParaRPr lang="en-MY" dirty="0">
+              <a:solidFill>
+                <a:schemeClr val="bg1"/>
+              </a:solidFill>
+            </a:endParaRPr>
+          </a:p>
+        </p:txBody>
+      </p:sp>
+      <p:sp>
+        <p:nvSpPr>
+          <p:cNvPr id="7" name="文字方塊 6"/>
+          <p:cNvSpPr txBox="1"/>
+          <p:nvPr/>
+        </p:nvSpPr>
+        <p:spPr>
+          <a:xfrm>
+            <a:off x="1131735" y="3768918"/>
+            <a:ext cx="1117614" cy="369332"/>
+          </a:xfrm>
+          <a:prstGeom prst="rect">
+            <a:avLst/>
+          </a:prstGeom>
+          <a:noFill/>
+        </p:spPr>
+        <p:txBody>
+          <a:bodyPr wrap="none" rtlCol="0">
+            <a:spAutoFit/>
+          </a:bodyPr>
+          <a:lstStyle/>
+          <a:p>
+            <a:r>
+              <a:rPr lang="zh-CN" altLang="en-US" dirty="0" smtClean="0"/>
+              <a:t>輸出</a:t>
+            </a:r>
+            <a:r>
+              <a:rPr lang="en-US" altLang="zh-CN" dirty="0" smtClean="0"/>
+              <a:t>: .</a:t>
+            </a:r>
+            <a:r>
+              <a:rPr lang="en-US" altLang="zh-CN" dirty="0" err="1" smtClean="0"/>
+              <a:t>obj</a:t>
+            </a:r>
+            <a:endParaRPr lang="en-MY" dirty="0"/>
           </a:p>
         </p:txBody>
       </p:sp>
     </p:spTree>
     <p:extLst>
       <p:ext uri="{BB962C8B-B14F-4D97-AF65-F5344CB8AC3E}">
-        <p14:creationId xmlns:p14="http://schemas.microsoft.com/office/powerpoint/2010/main" val="3338846444"/>
+        <p14:creationId xmlns:p14="http://schemas.microsoft.com/office/powerpoint/2010/main" val="1172458137"/>
       </p:ext>
     </p:extLst>
   </p:cSld>
@@ -7680,6 +8932,154 @@
           <a:lstStyle/>
           <a:p>
             <a:r>
+              <a:rPr lang="zh-CN" altLang="en-US" dirty="0" smtClean="0"/>
+              <a:t>程式架構圖</a:t>
+            </a:r>
+            <a:endParaRPr lang="en-MY" dirty="0"/>
+          </a:p>
+        </p:txBody>
+      </p:sp>
+      <p:pic>
+        <p:nvPicPr>
+          <p:cNvPr id="4" name="內容版面配置區 3"/>
+          <p:cNvPicPr>
+            <a:picLocks noGrp="1" noChangeAspect="1"/>
+          </p:cNvPicPr>
+          <p:nvPr>
+            <p:ph idx="1"/>
+          </p:nvPr>
+        </p:nvPicPr>
+        <p:blipFill>
+          <a:blip r:embed="rId2">
+            <a:extLst>
+              <a:ext uri="{28A0092B-C50C-407E-A947-70E740481C1C}">
+                <a14:useLocalDpi xmlns:a14="http://schemas.microsoft.com/office/drawing/2010/main" val="0"/>
+              </a:ext>
+            </a:extLst>
+          </a:blip>
+          <a:stretch>
+            <a:fillRect/>
+          </a:stretch>
+        </p:blipFill>
+        <p:spPr>
+          <a:xfrm>
+            <a:off x="1593573" y="1797085"/>
+            <a:ext cx="7590183" cy="3429912"/>
+          </a:xfrm>
+        </p:spPr>
+      </p:pic>
+    </p:spTree>
+    <p:extLst>
+      <p:ext uri="{BB962C8B-B14F-4D97-AF65-F5344CB8AC3E}">
+        <p14:creationId xmlns:p14="http://schemas.microsoft.com/office/powerpoint/2010/main" val="633817848"/>
+      </p:ext>
+    </p:extLst>
+  </p:cSld>
+  <p:clrMapOvr>
+    <a:masterClrMapping/>
+  </p:clrMapOvr>
+  <p:transition>
+    <p:fade thruBlk="1"/>
+  </p:transition>
+  <p:timing>
+    <p:tnLst>
+      <p:par>
+        <p:cTn id="1" dur="indefinite" restart="never" nodeType="tmRoot"/>
+      </p:par>
+    </p:tnLst>
+  </p:timing>
+</p:sld>
+</file>
+
+<file path=ppt/slides/slide4.xml><?xml version="1.0" encoding="utf-8"?>
+<p:sld xmlns:a="http://schemas.openxmlformats.org/drawingml/2006/main" xmlns:r="http://schemas.openxmlformats.org/officeDocument/2006/relationships" xmlns:p="http://schemas.openxmlformats.org/presentationml/2006/main">
+  <p:cSld>
+    <p:spTree>
+      <p:nvGrpSpPr>
+        <p:cNvPr id="1" name=""/>
+        <p:cNvGrpSpPr/>
+        <p:nvPr/>
+      </p:nvGrpSpPr>
+      <p:grpSpPr>
+        <a:xfrm>
+          <a:off x="0" y="0"/>
+          <a:ext cx="0" cy="0"/>
+          <a:chOff x="0" y="0"/>
+          <a:chExt cx="0" cy="0"/>
+        </a:xfrm>
+      </p:grpSpPr>
+      <p:sp>
+        <p:nvSpPr>
+          <p:cNvPr id="2" name="標題 1"/>
+          <p:cNvSpPr>
+            <a:spLocks noGrp="1"/>
+          </p:cNvSpPr>
+          <p:nvPr>
+            <p:ph type="ctrTitle"/>
+          </p:nvPr>
+        </p:nvSpPr>
+        <p:spPr/>
+        <p:txBody>
+          <a:bodyPr/>
+          <a:lstStyle/>
+          <a:p>
+            <a:r>
+              <a:rPr lang="zh-CN" altLang="en-US" dirty="0" smtClean="0"/>
+              <a:t>建立環境</a:t>
+            </a:r>
+            <a:endParaRPr lang="en-MY" dirty="0"/>
+          </a:p>
+        </p:txBody>
+      </p:sp>
+    </p:spTree>
+    <p:extLst>
+      <p:ext uri="{BB962C8B-B14F-4D97-AF65-F5344CB8AC3E}">
+        <p14:creationId xmlns:p14="http://schemas.microsoft.com/office/powerpoint/2010/main" val="709613259"/>
+      </p:ext>
+    </p:extLst>
+  </p:cSld>
+  <p:clrMapOvr>
+    <a:masterClrMapping/>
+  </p:clrMapOvr>
+  <p:transition>
+    <p:fade thruBlk="1"/>
+  </p:transition>
+</p:sld>
+</file>
+
+<file path=ppt/slides/slide5.xml><?xml version="1.0" encoding="utf-8"?>
+<p:sld xmlns:a="http://schemas.openxmlformats.org/drawingml/2006/main" xmlns:r="http://schemas.openxmlformats.org/officeDocument/2006/relationships" xmlns:p="http://schemas.openxmlformats.org/presentationml/2006/main">
+  <p:cSld>
+    <p:spTree>
+      <p:nvGrpSpPr>
+        <p:cNvPr id="1" name=""/>
+        <p:cNvGrpSpPr/>
+        <p:nvPr/>
+      </p:nvGrpSpPr>
+      <p:grpSpPr>
+        <a:xfrm>
+          <a:off x="0" y="0"/>
+          <a:ext cx="0" cy="0"/>
+          <a:chOff x="0" y="0"/>
+          <a:chExt cx="0" cy="0"/>
+        </a:xfrm>
+      </p:grpSpPr>
+      <p:sp>
+        <p:nvSpPr>
+          <p:cNvPr id="2" name="標題 1"/>
+          <p:cNvSpPr>
+            <a:spLocks noGrp="1"/>
+          </p:cNvSpPr>
+          <p:nvPr>
+            <p:ph type="title"/>
+          </p:nvPr>
+        </p:nvSpPr>
+        <p:spPr/>
+        <p:txBody>
+          <a:bodyPr/>
+          <a:lstStyle/>
+          <a:p>
+            <a:r>
               <a:rPr lang="en-US" altLang="zh-CN" dirty="0" smtClean="0"/>
               <a:t>Library </a:t>
             </a:r>
@@ -7754,7 +9154,7 @@
 </p:sld>
 </file>
 
-<file path=ppt/slides/slide4.xml><?xml version="1.0" encoding="utf-8"?>
+<file path=ppt/slides/slide6.xml><?xml version="1.0" encoding="utf-8"?>
 <p:sld xmlns:a="http://schemas.openxmlformats.org/drawingml/2006/main" xmlns:r="http://schemas.openxmlformats.org/officeDocument/2006/relationships" xmlns:p="http://schemas.openxmlformats.org/presentationml/2006/main">
   <p:cSld>
     <p:spTree>
@@ -7884,7 +9284,7 @@
 </p:sld>
 </file>
 
-<file path=ppt/slides/slide5.xml><?xml version="1.0" encoding="utf-8"?>
+<file path=ppt/slides/slide7.xml><?xml version="1.0" encoding="utf-8"?>
 <p:sld xmlns:a="http://schemas.openxmlformats.org/drawingml/2006/main" xmlns:r="http://schemas.openxmlformats.org/officeDocument/2006/relationships" xmlns:p="http://schemas.openxmlformats.org/presentationml/2006/main">
   <p:cSld>
     <p:spTree>
@@ -8211,7 +9611,7 @@
 </p:sld>
 </file>
 
-<file path=ppt/slides/slide6.xml><?xml version="1.0" encoding="utf-8"?>
+<file path=ppt/slides/slide8.xml><?xml version="1.0" encoding="utf-8"?>
 <p:sld xmlns:a="http://schemas.openxmlformats.org/drawingml/2006/main" xmlns:r="http://schemas.openxmlformats.org/officeDocument/2006/relationships" xmlns:p="http://schemas.openxmlformats.org/presentationml/2006/main">
   <p:cSld>
     <p:spTree>
@@ -8420,7 +9820,7 @@
 </p:sld>
 </file>
 
-<file path=ppt/slides/slide7.xml><?xml version="1.0" encoding="utf-8"?>
+<file path=ppt/slides/slide9.xml><?xml version="1.0" encoding="utf-8"?>
 <p:sld xmlns:a="http://schemas.openxmlformats.org/drawingml/2006/main" xmlns:r="http://schemas.openxmlformats.org/officeDocument/2006/relationships" xmlns:p="http://schemas.openxmlformats.org/presentationml/2006/main">
   <p:cSld>
     <p:spTree>
@@ -8578,7 +9978,6 @@
               <a:rPr lang="en-MY" sz="2000" dirty="0"/>
               <a:t>boost_1_71_0-msvc-14.2-64.exe</a:t>
             </a:r>
-            <a:endParaRPr lang="en-MY" sz="2000" dirty="0"/>
           </a:p>
         </p:txBody>
       </p:sp>
@@ -8714,493 +10113,6 @@
     <p:extLst>
       <p:ext uri="{BB962C8B-B14F-4D97-AF65-F5344CB8AC3E}">
         <p14:creationId xmlns:p14="http://schemas.microsoft.com/office/powerpoint/2010/main" val="346935178"/>
-      </p:ext>
-    </p:extLst>
-  </p:cSld>
-  <p:clrMapOvr>
-    <a:masterClrMapping/>
-  </p:clrMapOvr>
-  <p:transition>
-    <p:fade thruBlk="1"/>
-  </p:transition>
-</p:sld>
-</file>
-
-<file path=ppt/slides/slide8.xml><?xml version="1.0" encoding="utf-8"?>
-<p:sld xmlns:a="http://schemas.openxmlformats.org/drawingml/2006/main" xmlns:r="http://schemas.openxmlformats.org/officeDocument/2006/relationships" xmlns:p="http://schemas.openxmlformats.org/presentationml/2006/main">
-  <p:cSld>
-    <p:spTree>
-      <p:nvGrpSpPr>
-        <p:cNvPr id="1" name=""/>
-        <p:cNvGrpSpPr/>
-        <p:nvPr/>
-      </p:nvGrpSpPr>
-      <p:grpSpPr>
-        <a:xfrm>
-          <a:off x="0" y="0"/>
-          <a:ext cx="0" cy="0"/>
-          <a:chOff x="0" y="0"/>
-          <a:chExt cx="0" cy="0"/>
-        </a:xfrm>
-      </p:grpSpPr>
-      <p:sp>
-        <p:nvSpPr>
-          <p:cNvPr id="2" name="標題 1"/>
-          <p:cNvSpPr>
-            <a:spLocks noGrp="1"/>
-          </p:cNvSpPr>
-          <p:nvPr>
-            <p:ph type="title"/>
-          </p:nvPr>
-        </p:nvSpPr>
-        <p:spPr/>
-        <p:txBody>
-          <a:bodyPr/>
-          <a:lstStyle/>
-          <a:p>
-            <a:r>
-              <a:rPr lang="en-US" dirty="0" smtClean="0"/>
-              <a:t>Project </a:t>
-            </a:r>
-            <a:r>
-              <a:rPr lang="zh-CN" altLang="en-US" dirty="0" smtClean="0"/>
-              <a:t>設定</a:t>
-            </a:r>
-            <a:endParaRPr lang="en-MY" dirty="0"/>
-          </a:p>
-        </p:txBody>
-      </p:sp>
-      <p:sp>
-        <p:nvSpPr>
-          <p:cNvPr id="3" name="內容版面配置區 2"/>
-          <p:cNvSpPr>
-            <a:spLocks noGrp="1"/>
-          </p:cNvSpPr>
-          <p:nvPr>
-            <p:ph idx="1"/>
-          </p:nvPr>
-        </p:nvSpPr>
-        <p:spPr/>
-        <p:txBody>
-          <a:bodyPr>
-            <a:normAutofit/>
-          </a:bodyPr>
-          <a:lstStyle/>
-          <a:p>
-            <a:r>
-              <a:rPr lang="zh-CN" altLang="en-US" sz="2000" dirty="0" smtClean="0">
-                <a:latin typeface="Calibri (本文)"/>
-              </a:rPr>
-              <a:t>右鍵</a:t>
-            </a:r>
-            <a:r>
-              <a:rPr lang="en-US" altLang="zh-CN" sz="2000" dirty="0" smtClean="0">
-                <a:latin typeface="Calibri (本文)"/>
-              </a:rPr>
-              <a:t>-&gt;Properties-&gt;VC++ Directories</a:t>
-            </a:r>
-            <a:endParaRPr lang="en-MY" sz="2000" dirty="0">
-              <a:latin typeface="Calibri (本文)"/>
-            </a:endParaRPr>
-          </a:p>
-        </p:txBody>
-      </p:sp>
-      <p:pic>
-        <p:nvPicPr>
-          <p:cNvPr id="5" name="圖片 4"/>
-          <p:cNvPicPr>
-            <a:picLocks noChangeAspect="1"/>
-          </p:cNvPicPr>
-          <p:nvPr/>
-        </p:nvPicPr>
-        <p:blipFill rotWithShape="1">
-          <a:blip r:embed="rId2"/>
-          <a:srcRect l="543"/>
-          <a:stretch/>
-        </p:blipFill>
-        <p:spPr>
-          <a:xfrm>
-            <a:off x="1081378" y="2419235"/>
-            <a:ext cx="9216306" cy="3568097"/>
-          </a:xfrm>
-          <a:prstGeom prst="rect">
-            <a:avLst/>
-          </a:prstGeom>
-        </p:spPr>
-      </p:pic>
-      <p:sp>
-        <p:nvSpPr>
-          <p:cNvPr id="6" name="矩形 5"/>
-          <p:cNvSpPr/>
-          <p:nvPr/>
-        </p:nvSpPr>
-        <p:spPr>
-          <a:xfrm>
-            <a:off x="2536467" y="3188474"/>
-            <a:ext cx="7761218" cy="127220"/>
-          </a:xfrm>
-          <a:prstGeom prst="rect">
-            <a:avLst/>
-          </a:prstGeom>
-          <a:noFill/>
-          <a:ln>
-            <a:solidFill>
-              <a:srgbClr val="FF0000"/>
-            </a:solidFill>
-          </a:ln>
-        </p:spPr>
-        <p:style>
-          <a:lnRef idx="2">
-            <a:schemeClr val="accent1">
-              <a:shade val="50000"/>
-            </a:schemeClr>
-          </a:lnRef>
-          <a:fillRef idx="1">
-            <a:schemeClr val="accent1"/>
-          </a:fillRef>
-          <a:effectRef idx="0">
-            <a:schemeClr val="accent1"/>
-          </a:effectRef>
-          <a:fontRef idx="minor">
-            <a:schemeClr val="lt1"/>
-          </a:fontRef>
-        </p:style>
-        <p:txBody>
-          <a:bodyPr rtlCol="0" anchor="ctr"/>
-          <a:lstStyle/>
-          <a:p>
-            <a:pPr algn="ctr"/>
-            <a:endParaRPr lang="en-MY"/>
-          </a:p>
-        </p:txBody>
-      </p:sp>
-      <p:sp>
-        <p:nvSpPr>
-          <p:cNvPr id="7" name="矩形 6"/>
-          <p:cNvSpPr/>
-          <p:nvPr/>
-        </p:nvSpPr>
-        <p:spPr>
-          <a:xfrm>
-            <a:off x="2536466" y="3571462"/>
-            <a:ext cx="7761218" cy="127220"/>
-          </a:xfrm>
-          <a:prstGeom prst="rect">
-            <a:avLst/>
-          </a:prstGeom>
-          <a:noFill/>
-          <a:ln>
-            <a:solidFill>
-              <a:srgbClr val="FF0000"/>
-            </a:solidFill>
-          </a:ln>
-        </p:spPr>
-        <p:style>
-          <a:lnRef idx="2">
-            <a:schemeClr val="accent1">
-              <a:shade val="50000"/>
-            </a:schemeClr>
-          </a:lnRef>
-          <a:fillRef idx="1">
-            <a:schemeClr val="accent1"/>
-          </a:fillRef>
-          <a:effectRef idx="0">
-            <a:schemeClr val="accent1"/>
-          </a:effectRef>
-          <a:fontRef idx="minor">
-            <a:schemeClr val="lt1"/>
-          </a:fontRef>
-        </p:style>
-        <p:txBody>
-          <a:bodyPr rtlCol="0" anchor="ctr"/>
-          <a:lstStyle/>
-          <a:p>
-            <a:pPr algn="ctr"/>
-            <a:endParaRPr lang="en-MY"/>
-          </a:p>
-        </p:txBody>
-      </p:sp>
-    </p:spTree>
-    <p:extLst>
-      <p:ext uri="{BB962C8B-B14F-4D97-AF65-F5344CB8AC3E}">
-        <p14:creationId xmlns:p14="http://schemas.microsoft.com/office/powerpoint/2010/main" val="3144801538"/>
-      </p:ext>
-    </p:extLst>
-  </p:cSld>
-  <p:clrMapOvr>
-    <a:masterClrMapping/>
-  </p:clrMapOvr>
-  <p:transition>
-    <p:fade thruBlk="1"/>
-  </p:transition>
-</p:sld>
-</file>
-
-<file path=ppt/slides/slide9.xml><?xml version="1.0" encoding="utf-8"?>
-<p:sld xmlns:a="http://schemas.openxmlformats.org/drawingml/2006/main" xmlns:r="http://schemas.openxmlformats.org/officeDocument/2006/relationships" xmlns:p="http://schemas.openxmlformats.org/presentationml/2006/main">
-  <p:cSld>
-    <p:spTree>
-      <p:nvGrpSpPr>
-        <p:cNvPr id="1" name=""/>
-        <p:cNvGrpSpPr/>
-        <p:nvPr/>
-      </p:nvGrpSpPr>
-      <p:grpSpPr>
-        <a:xfrm>
-          <a:off x="0" y="0"/>
-          <a:ext cx="0" cy="0"/>
-          <a:chOff x="0" y="0"/>
-          <a:chExt cx="0" cy="0"/>
-        </a:xfrm>
-      </p:grpSpPr>
-      <p:sp>
-        <p:nvSpPr>
-          <p:cNvPr id="2" name="標題 1"/>
-          <p:cNvSpPr>
-            <a:spLocks noGrp="1"/>
-          </p:cNvSpPr>
-          <p:nvPr>
-            <p:ph type="title"/>
-          </p:nvPr>
-        </p:nvSpPr>
-        <p:spPr/>
-        <p:txBody>
-          <a:bodyPr/>
-          <a:lstStyle/>
-          <a:p>
-            <a:r>
-              <a:rPr lang="en-US" altLang="zh-CN" dirty="0" smtClean="0"/>
-              <a:t>Include Directories</a:t>
-            </a:r>
-            <a:endParaRPr lang="en-MY" dirty="0"/>
-          </a:p>
-        </p:txBody>
-      </p:sp>
-      <p:sp>
-        <p:nvSpPr>
-          <p:cNvPr id="3" name="內容版面配置區 2"/>
-          <p:cNvSpPr>
-            <a:spLocks noGrp="1"/>
-          </p:cNvSpPr>
-          <p:nvPr>
-            <p:ph idx="1"/>
-          </p:nvPr>
-        </p:nvSpPr>
-        <p:spPr/>
-        <p:txBody>
-          <a:bodyPr>
-            <a:normAutofit/>
-          </a:bodyPr>
-          <a:lstStyle/>
-          <a:p>
-            <a:r>
-              <a:rPr lang="en-MY" sz="1600" dirty="0" smtClean="0">
-                <a:latin typeface="Calibri (本文)"/>
-              </a:rPr>
-              <a:t>[</a:t>
-            </a:r>
-            <a:r>
-              <a:rPr lang="en-MY" sz="1600" dirty="0" err="1" smtClean="0">
-                <a:latin typeface="Calibri (本文)"/>
-              </a:rPr>
-              <a:t>YourPath</a:t>
-            </a:r>
-            <a:r>
-              <a:rPr lang="en-MY" sz="1600" dirty="0" smtClean="0">
-                <a:latin typeface="Calibri (本文)"/>
-              </a:rPr>
-              <a:t>]\</a:t>
-            </a:r>
-            <a:r>
-              <a:rPr lang="en-MY" sz="1600" dirty="0">
-                <a:latin typeface="Calibri (本文)"/>
-              </a:rPr>
-              <a:t>CGAL-5.4\include</a:t>
-            </a:r>
-          </a:p>
-          <a:p>
-            <a:r>
-              <a:rPr lang="en-MY" sz="1600" dirty="0">
-                <a:latin typeface="Calibri (本文)"/>
-              </a:rPr>
-              <a:t>[</a:t>
-            </a:r>
-            <a:r>
-              <a:rPr lang="en-MY" sz="1600" dirty="0" err="1">
-                <a:latin typeface="Calibri (本文)"/>
-              </a:rPr>
-              <a:t>YourPath</a:t>
-            </a:r>
-            <a:r>
-              <a:rPr lang="en-MY" sz="1600" dirty="0" smtClean="0">
-                <a:latin typeface="Calibri (本文)"/>
-              </a:rPr>
-              <a:t>]\boost1.71</a:t>
-            </a:r>
-            <a:endParaRPr lang="en-MY" sz="1600" dirty="0">
-              <a:latin typeface="Calibri (本文)"/>
-            </a:endParaRPr>
-          </a:p>
-          <a:p>
-            <a:r>
-              <a:rPr lang="en-MY" sz="1600" dirty="0">
-                <a:latin typeface="Calibri (本文)"/>
-              </a:rPr>
-              <a:t>[</a:t>
-            </a:r>
-            <a:r>
-              <a:rPr lang="en-MY" sz="1600" dirty="0" err="1">
-                <a:latin typeface="Calibri (本文)"/>
-              </a:rPr>
-              <a:t>YourPath</a:t>
-            </a:r>
-            <a:r>
-              <a:rPr lang="en-MY" sz="1600" dirty="0" smtClean="0">
-                <a:latin typeface="Calibri (本文)"/>
-              </a:rPr>
-              <a:t>]\</a:t>
-            </a:r>
-            <a:r>
-              <a:rPr lang="en-MY" sz="1600" dirty="0" err="1" smtClean="0">
-                <a:latin typeface="Calibri (本文)"/>
-              </a:rPr>
-              <a:t>opencv</a:t>
-            </a:r>
-            <a:r>
-              <a:rPr lang="en-MY" sz="1600" dirty="0" smtClean="0">
-                <a:latin typeface="Calibri (本文)"/>
-              </a:rPr>
-              <a:t>\build\include</a:t>
-            </a:r>
-            <a:endParaRPr lang="en-MY" sz="1600" dirty="0">
-              <a:latin typeface="Calibri (本文)"/>
-            </a:endParaRPr>
-          </a:p>
-          <a:p>
-            <a:r>
-              <a:rPr lang="en-MY" sz="1600" dirty="0">
-                <a:latin typeface="Calibri (本文)"/>
-              </a:rPr>
-              <a:t>[</a:t>
-            </a:r>
-            <a:r>
-              <a:rPr lang="en-MY" sz="1600" dirty="0" err="1">
-                <a:latin typeface="Calibri (本文)"/>
-              </a:rPr>
-              <a:t>YourPath</a:t>
-            </a:r>
-            <a:r>
-              <a:rPr lang="en-MY" sz="1600" dirty="0">
-                <a:latin typeface="Calibri (本文)"/>
-              </a:rPr>
-              <a:t>]</a:t>
-            </a:r>
-            <a:r>
-              <a:rPr lang="en-MY" sz="1600" dirty="0" smtClean="0">
-                <a:latin typeface="Calibri (本文)"/>
-              </a:rPr>
-              <a:t>\</a:t>
-            </a:r>
-            <a:r>
-              <a:rPr lang="en-MY" sz="1600" dirty="0">
-                <a:latin typeface="Calibri (本文)"/>
-              </a:rPr>
-              <a:t>eigen-3.4.0</a:t>
-            </a:r>
-          </a:p>
-          <a:p>
-            <a:r>
-              <a:rPr lang="en-MY" sz="1600" dirty="0">
-                <a:latin typeface="Calibri (本文)"/>
-              </a:rPr>
-              <a:t>[</a:t>
-            </a:r>
-            <a:r>
-              <a:rPr lang="en-MY" sz="1600" dirty="0" err="1">
-                <a:latin typeface="Calibri (本文)"/>
-              </a:rPr>
-              <a:t>YourPath</a:t>
-            </a:r>
-            <a:r>
-              <a:rPr lang="en-MY" sz="1600" dirty="0">
-                <a:latin typeface="Calibri (本文)"/>
-              </a:rPr>
-              <a:t>]</a:t>
-            </a:r>
-            <a:r>
-              <a:rPr lang="en-MY" sz="1600" dirty="0" smtClean="0">
-                <a:latin typeface="Calibri (本文)"/>
-              </a:rPr>
-              <a:t>\</a:t>
-            </a:r>
-            <a:r>
-              <a:rPr lang="en-MY" sz="1600" dirty="0">
-                <a:latin typeface="Calibri (本文)"/>
-              </a:rPr>
-              <a:t>CGAL-5.4\auxiliary\gmp\include</a:t>
-            </a:r>
-          </a:p>
-          <a:p>
-            <a:r>
-              <a:rPr lang="en-MY" sz="1600" dirty="0">
-                <a:latin typeface="Calibri (本文)"/>
-              </a:rPr>
-              <a:t>[</a:t>
-            </a:r>
-            <a:r>
-              <a:rPr lang="en-MY" sz="1600" dirty="0" err="1">
-                <a:latin typeface="Calibri (本文)"/>
-              </a:rPr>
-              <a:t>YourPath</a:t>
-            </a:r>
-            <a:r>
-              <a:rPr lang="en-MY" sz="1600" dirty="0">
-                <a:latin typeface="Calibri (本文)"/>
-              </a:rPr>
-              <a:t>]</a:t>
-            </a:r>
-            <a:r>
-              <a:rPr lang="en-MY" sz="1600" dirty="0" smtClean="0">
-                <a:latin typeface="Calibri (本文)"/>
-              </a:rPr>
-              <a:t>\</a:t>
-            </a:r>
-            <a:r>
-              <a:rPr lang="en-MY" sz="1600" dirty="0">
-                <a:latin typeface="Calibri (本文)"/>
-              </a:rPr>
-              <a:t>CGAL-5.4</a:t>
-            </a:r>
-          </a:p>
-        </p:txBody>
-      </p:sp>
-      <p:pic>
-        <p:nvPicPr>
-          <p:cNvPr id="4" name="圖片 3"/>
-          <p:cNvPicPr>
-            <a:picLocks noChangeAspect="1"/>
-          </p:cNvPicPr>
-          <p:nvPr/>
-        </p:nvPicPr>
-        <p:blipFill rotWithShape="1">
-          <a:blip r:embed="rId2"/>
-          <a:srcRect l="859"/>
-          <a:stretch/>
-        </p:blipFill>
-        <p:spPr>
-          <a:xfrm>
-            <a:off x="5279667" y="1825625"/>
-            <a:ext cx="6544099" cy="2244439"/>
-          </a:xfrm>
-          <a:prstGeom prst="rect">
-            <a:avLst/>
-          </a:prstGeom>
-        </p:spPr>
-      </p:pic>
-    </p:spTree>
-    <p:extLst>
-      <p:ext uri="{BB962C8B-B14F-4D97-AF65-F5344CB8AC3E}">
-        <p14:creationId xmlns:p14="http://schemas.microsoft.com/office/powerpoint/2010/main" val="1942851962"/>
       </p:ext>
     </p:extLst>
   </p:cSld>

--- a/說明文件.pptx
+++ b/說明文件.pptx
@@ -7034,7 +7034,7 @@
         <p:spPr>
           <a:xfrm>
             <a:off x="703027" y="3434729"/>
-            <a:ext cx="10999806" cy="1200329"/>
+            <a:ext cx="11461471" cy="1754326"/>
           </a:xfrm>
           <a:prstGeom prst="rect">
             <a:avLst/>
@@ -7061,7 +7061,7 @@
             </a:r>
             <a:r>
               <a:rPr lang="zh-CN" altLang="en-US" dirty="0" smtClean="0"/>
-              <a:t>把流程跑一邊，</a:t>
+              <a:t>把所有流程跑一邊，</a:t>
             </a:r>
             <a:r>
               <a:rPr lang="en-US" altLang="zh-CN" dirty="0" smtClean="0"/>
@@ -7080,31 +7080,85 @@
             </a:pPr>
             <a:r>
               <a:rPr lang="zh-CN" altLang="en-US" dirty="0" smtClean="0"/>
-              <a:t>影片位子</a:t>
+              <a:t>如果只是想要測試</a:t>
+            </a:r>
+            <a:r>
+              <a:rPr lang="en-US" altLang="zh-CN" dirty="0" err="1" smtClean="0"/>
+              <a:t>MeshReconstruction</a:t>
             </a:r>
             <a:r>
               <a:rPr lang="en-US" altLang="zh-CN" dirty="0" smtClean="0"/>
-              <a:t>: /</a:t>
-            </a:r>
-            <a:r>
-              <a:rPr lang="en-MY" dirty="0" err="1" smtClean="0"/>
-              <a:t>ResearchData</a:t>
-            </a:r>
-            <a:r>
-              <a:rPr lang="en-MY" dirty="0" smtClean="0"/>
-              <a:t>/111_YongDa/</a:t>
-            </a:r>
-            <a:r>
-              <a:rPr lang="en-MY" dirty="0" err="1" smtClean="0"/>
-              <a:t>testVideo.rar</a:t>
-            </a:r>
-            <a:endParaRPr lang="en-MY" dirty="0" smtClean="0"/>
+              <a:t>,</a:t>
+            </a:r>
+            <a:r>
+              <a:rPr lang="zh-CN" altLang="en-US" dirty="0"/>
+              <a:t>下載</a:t>
+            </a:r>
+            <a:r>
+              <a:rPr lang="en-US" altLang="zh-CN" dirty="0" err="1" smtClean="0"/>
+              <a:t>rgb.rar,seg.rar,depth.rar</a:t>
+            </a:r>
+            <a:r>
+              <a:rPr lang="zh-CN" altLang="en-US" dirty="0" smtClean="0"/>
+              <a:t>和</a:t>
+            </a:r>
+            <a:r>
+              <a:rPr lang="en-US" altLang="zh-CN" dirty="0" smtClean="0"/>
+              <a:t>slamData.csv</a:t>
+            </a:r>
+            <a:r>
+              <a:rPr lang="zh-CN" altLang="en-US" dirty="0" smtClean="0"/>
+              <a:t>放在同一個資料夾</a:t>
+            </a:r>
+            <a:endParaRPr lang="en-US" altLang="zh-CN" dirty="0" smtClean="0"/>
           </a:p>
           <a:p>
             <a:pPr marL="285750" indent="-285750">
               <a:buFont typeface="Arial" panose="020B0604020202020204" pitchFamily="34" charset="0"/>
               <a:buChar char="•"/>
             </a:pPr>
+            <a:endParaRPr lang="en-US" altLang="zh-CN" dirty="0"/>
+          </a:p>
+          <a:p>
+            <a:pPr marL="285750" indent="-285750">
+              <a:buFont typeface="Arial" panose="020B0604020202020204" pitchFamily="34" charset="0"/>
+              <a:buChar char="•"/>
+            </a:pPr>
+            <a:r>
+              <a:rPr lang="zh-CN" altLang="en-US" dirty="0" smtClean="0"/>
+              <a:t>影片位置</a:t>
+            </a:r>
+            <a:r>
+              <a:rPr lang="en-US" altLang="zh-CN" dirty="0" smtClean="0"/>
+              <a:t>: /</a:t>
+            </a:r>
+            <a:r>
+              <a:rPr lang="en-MY" dirty="0" err="1" smtClean="0"/>
+              <a:t>ResearchData</a:t>
+            </a:r>
+            <a:r>
+              <a:rPr lang="en-MY" dirty="0" smtClean="0"/>
+              <a:t>/111_YongDa/</a:t>
+            </a:r>
+            <a:r>
+              <a:rPr lang="en-MY" dirty="0" err="1" smtClean="0"/>
+              <a:t>testdata</a:t>
+            </a:r>
+            <a:r>
+              <a:rPr lang="en-MY" dirty="0" smtClean="0"/>
+              <a:t>/</a:t>
+            </a:r>
+            <a:r>
+              <a:rPr lang="en-MY" dirty="0" err="1" smtClean="0"/>
+              <a:t>testVideo.rar</a:t>
+            </a:r>
+            <a:endParaRPr lang="en-MY" dirty="0" smtClean="0"/>
+          </a:p>
+          <a:p>
+            <a:pPr marL="285750" indent="-285750">
+              <a:buFont typeface="Arial" panose="020B0604020202020204" pitchFamily="34" charset="0"/>
+              <a:buChar char="•"/>
+            </a:pPr>
             <a:r>
               <a:rPr lang="en-US" dirty="0" smtClean="0"/>
               <a:t>RG</a:t>
@@ -7114,8 +7168,8 @@
               <a:t>B </a:t>
             </a:r>
             <a:r>
-              <a:rPr lang="zh-CN" altLang="en-US" dirty="0" smtClean="0"/>
-              <a:t>位子</a:t>
+              <a:rPr lang="zh-CN" altLang="en-US" dirty="0"/>
+              <a:t>位置</a:t>
             </a:r>
             <a:r>
               <a:rPr lang="en-US" altLang="zh-CN" dirty="0" smtClean="0"/>

--- a/說明文件.pptx
+++ b/說明文件.pptx
@@ -6981,7 +6981,9 @@
           </a:xfrm>
         </p:spPr>
         <p:txBody>
-          <a:bodyPr/>
+          <a:bodyPr>
+            <a:normAutofit/>
+          </a:bodyPr>
           <a:lstStyle/>
           <a:p>
             <a:r>
@@ -6989,8 +6991,12 @@
               <a:t>測試資料我放在</a:t>
             </a:r>
             <a:r>
+              <a:rPr lang="en-US" altLang="zh-CN" dirty="0"/>
+              <a:t>ftp </a:t>
+            </a:r>
+            <a:r>
               <a:rPr lang="en-US" altLang="zh-CN" dirty="0" smtClean="0"/>
-              <a:t>ftp</a:t>
+              <a:t>: cgcg-ntust.synology.me</a:t>
             </a:r>
             <a:endParaRPr lang="en-US" dirty="0"/>
           </a:p>

--- a/說明文件.pptx
+++ b/說明文件.pptx
@@ -231,7 +231,7 @@
           <a:p>
             <a:fld id="{56FD5D91-8462-4A5C-B6D5-71632284A816}" type="datetimeFigureOut">
               <a:rPr lang="en-MY" smtClean="0"/>
-              <a:t>24/6/2022</a:t>
+              <a:t>19/8/2022</a:t>
             </a:fld>
             <a:endParaRPr lang="en-MY"/>
           </a:p>
@@ -726,7 +726,7 @@
           <a:p>
             <a:fld id="{4BCC39F9-06F4-4623-94E7-60450B8B08E9}" type="datetimeFigureOut">
               <a:rPr lang="zh-TW" altLang="en-US" smtClean="0"/>
-              <a:t>2022/6/24</a:t>
+              <a:t>2022/8/19</a:t>
             </a:fld>
             <a:endParaRPr lang="zh-TW" altLang="en-US"/>
           </a:p>
@@ -974,7 +974,7 @@
           <a:p>
             <a:fld id="{4BCC39F9-06F4-4623-94E7-60450B8B08E9}" type="datetimeFigureOut">
               <a:rPr lang="zh-TW" altLang="en-US" smtClean="0"/>
-              <a:t>2022/6/24</a:t>
+              <a:t>2022/8/19</a:t>
             </a:fld>
             <a:endParaRPr lang="zh-TW" altLang="en-US"/>
           </a:p>
@@ -1206,7 +1206,7 @@
           <a:p>
             <a:fld id="{4BCC39F9-06F4-4623-94E7-60450B8B08E9}" type="datetimeFigureOut">
               <a:rPr lang="zh-TW" altLang="en-US" smtClean="0"/>
-              <a:t>2022/6/24</a:t>
+              <a:t>2022/8/19</a:t>
             </a:fld>
             <a:endParaRPr lang="zh-TW" altLang="en-US"/>
           </a:p>
@@ -1573,7 +1573,7 @@
           <a:p>
             <a:fld id="{4BCC39F9-06F4-4623-94E7-60450B8B08E9}" type="datetimeFigureOut">
               <a:rPr lang="zh-TW" altLang="en-US" smtClean="0"/>
-              <a:t>2022/6/24</a:t>
+              <a:t>2022/8/19</a:t>
             </a:fld>
             <a:endParaRPr lang="zh-TW" altLang="en-US"/>
           </a:p>
@@ -1693,7 +1693,7 @@
           <a:p>
             <a:fld id="{4BCC39F9-06F4-4623-94E7-60450B8B08E9}" type="datetimeFigureOut">
               <a:rPr lang="zh-TW" altLang="en-US" smtClean="0"/>
-              <a:t>2022/6/24</a:t>
+              <a:t>2022/8/19</a:t>
             </a:fld>
             <a:endParaRPr lang="zh-TW" altLang="en-US"/>
           </a:p>
@@ -1791,7 +1791,7 @@
           <a:p>
             <a:fld id="{4BCC39F9-06F4-4623-94E7-60450B8B08E9}" type="datetimeFigureOut">
               <a:rPr lang="zh-TW" altLang="en-US" smtClean="0"/>
-              <a:t>2022/6/24</a:t>
+              <a:t>2022/8/19</a:t>
             </a:fld>
             <a:endParaRPr lang="zh-TW" altLang="en-US"/>
           </a:p>
@@ -2069,7 +2069,7 @@
           <a:p>
             <a:fld id="{4BCC39F9-06F4-4623-94E7-60450B8B08E9}" type="datetimeFigureOut">
               <a:rPr lang="zh-TW" altLang="en-US" smtClean="0"/>
-              <a:t>2022/6/24</a:t>
+              <a:t>2022/8/19</a:t>
             </a:fld>
             <a:endParaRPr lang="zh-TW" altLang="en-US"/>
           </a:p>
@@ -2327,7 +2327,7 @@
           <a:p>
             <a:fld id="{4BCC39F9-06F4-4623-94E7-60450B8B08E9}" type="datetimeFigureOut">
               <a:rPr lang="zh-TW" altLang="en-US" smtClean="0"/>
-              <a:t>2022/6/24</a:t>
+              <a:t>2022/8/19</a:t>
             </a:fld>
             <a:endParaRPr lang="zh-TW" altLang="en-US"/>
           </a:p>
@@ -2498,7 +2498,7 @@
           <a:p>
             <a:fld id="{4BCC39F9-06F4-4623-94E7-60450B8B08E9}" type="datetimeFigureOut">
               <a:rPr lang="zh-TW" altLang="en-US" smtClean="0"/>
-              <a:t>2022/6/24</a:t>
+              <a:t>2022/8/19</a:t>
             </a:fld>
             <a:endParaRPr lang="zh-TW" altLang="en-US"/>
           </a:p>
@@ -2679,7 +2679,7 @@
           <a:p>
             <a:fld id="{4BCC39F9-06F4-4623-94E7-60450B8B08E9}" type="datetimeFigureOut">
               <a:rPr lang="zh-TW" altLang="en-US" smtClean="0"/>
-              <a:t>2022/6/24</a:t>
+              <a:t>2022/8/19</a:t>
             </a:fld>
             <a:endParaRPr lang="zh-TW" altLang="en-US"/>
           </a:p>
@@ -2838,7 +2838,7 @@
           <a:p>
             <a:fld id="{0F2C4B1E-A71E-4732-883E-57C82D86CF48}" type="datetime1">
               <a:rPr lang="zh-TW" altLang="en-US" smtClean="0"/>
-              <a:t>2022/6/24</a:t>
+              <a:t>2022/8/19</a:t>
             </a:fld>
             <a:endParaRPr lang="zh-TW" altLang="en-US"/>
           </a:p>
@@ -3196,7 +3196,7 @@
           <a:p>
             <a:fld id="{EF0D1E57-3D2D-486C-ABB3-5CB8FCFF9216}" type="datetime1">
               <a:rPr lang="zh-TW" altLang="en-US" smtClean="0"/>
-              <a:t>2022/6/24</a:t>
+              <a:t>2022/8/19</a:t>
             </a:fld>
             <a:endParaRPr lang="zh-TW" altLang="en-US"/>
           </a:p>
@@ -4820,7 +4820,7 @@
           <a:p>
             <a:fld id="{4BCC39F9-06F4-4623-94E7-60450B8B08E9}" type="datetimeFigureOut">
               <a:rPr lang="zh-TW" altLang="en-US" smtClean="0"/>
-              <a:t>2022/6/24</a:t>
+              <a:t>2022/8/19</a:t>
             </a:fld>
             <a:endParaRPr lang="zh-TW" altLang="en-US"/>
           </a:p>
@@ -6827,7 +6827,7 @@
       </p:sp>
       <p:pic>
         <p:nvPicPr>
-          <p:cNvPr id="4" name="內容版面配置區 3"/>
+          <p:cNvPr id="6" name="內容版面配置區 8"/>
           <p:cNvPicPr>
             <a:picLocks noChangeAspect="1"/>
           </p:cNvPicPr>
@@ -6847,8 +6847,8 @@
         </p:blipFill>
         <p:spPr>
           <a:xfrm>
-            <a:off x="2873733" y="3124099"/>
-            <a:ext cx="6158949" cy="2783155"/>
+            <a:off x="3138765" y="3021637"/>
+            <a:ext cx="6562881" cy="3439824"/>
           </a:xfrm>
           <a:prstGeom prst="rect">
             <a:avLst/>
@@ -6863,7 +6863,7 @@
         </p:nvSpPr>
         <p:spPr>
           <a:xfrm>
-            <a:off x="3991554" y="3375750"/>
+            <a:off x="3538329" y="3844877"/>
             <a:ext cx="1423283" cy="2456953"/>
           </a:xfrm>
           <a:prstGeom prst="roundRect">
@@ -7979,7 +7979,7 @@
         </p:nvSpPr>
         <p:spPr>
           <a:xfrm>
-            <a:off x="432684" y="1796850"/>
+            <a:off x="2179493" y="1764127"/>
             <a:ext cx="6142579" cy="1754326"/>
           </a:xfrm>
           <a:prstGeom prst="rect">
@@ -8446,158 +8446,12 @@
           <a:p>
             <a:r>
               <a:rPr lang="zh-CN" altLang="en-US" dirty="0" smtClean="0"/>
-              <a:t>輸入</a:t>
+              <a:t>資料夾</a:t>
             </a:r>
             <a:r>
               <a:rPr lang="zh-CN" altLang="en-US" dirty="0" smtClean="0"/>
-              <a:t>資料夾格式</a:t>
-            </a:r>
-            <a:endParaRPr lang="en-MY" dirty="0"/>
-          </a:p>
-        </p:txBody>
-      </p:sp>
-      <p:pic>
-        <p:nvPicPr>
-          <p:cNvPr id="4" name="內容版面配置區 3"/>
-          <p:cNvPicPr>
-            <a:picLocks noGrp="1" noChangeAspect="1"/>
-          </p:cNvPicPr>
-          <p:nvPr>
-            <p:ph idx="1"/>
-          </p:nvPr>
-        </p:nvPicPr>
-        <p:blipFill>
-          <a:blip r:embed="rId2"/>
-          <a:stretch>
-            <a:fillRect/>
-          </a:stretch>
-        </p:blipFill>
-        <p:spPr>
-          <a:xfrm>
-            <a:off x="5232559" y="2685915"/>
-            <a:ext cx="3797630" cy="1759452"/>
-          </a:xfrm>
-          <a:prstGeom prst="rect">
-            <a:avLst/>
-          </a:prstGeom>
-        </p:spPr>
-      </p:pic>
-      <p:sp>
-        <p:nvSpPr>
-          <p:cNvPr id="6" name="文字方塊 5"/>
-          <p:cNvSpPr txBox="1"/>
-          <p:nvPr/>
-        </p:nvSpPr>
-        <p:spPr>
-          <a:xfrm>
-            <a:off x="747423" y="1441983"/>
-            <a:ext cx="2509213" cy="4247317"/>
-          </a:xfrm>
-          <a:prstGeom prst="rect">
-            <a:avLst/>
-          </a:prstGeom>
-          <a:noFill/>
-        </p:spPr>
-        <p:txBody>
-          <a:bodyPr wrap="none" rtlCol="0">
-            <a:spAutoFit/>
-          </a:bodyPr>
-          <a:lstStyle/>
-          <a:p>
-            <a:r>
-              <a:rPr lang="en-MY" dirty="0"/>
-              <a:t>.</a:t>
-            </a:r>
-          </a:p>
-          <a:p>
-            <a:r>
-              <a:rPr lang="en-MY" dirty="0"/>
-              <a:t>├── </a:t>
-            </a:r>
-            <a:r>
-              <a:rPr lang="en-MY" dirty="0" err="1"/>
-              <a:t>rgb</a:t>
-            </a:r>
-            <a:endParaRPr lang="en-MY" dirty="0"/>
-          </a:p>
-          <a:p>
-            <a:r>
-              <a:rPr lang="en-MY" dirty="0"/>
-              <a:t>│   ├── 0.jpg</a:t>
-            </a:r>
-          </a:p>
-          <a:p>
-            <a:r>
-              <a:rPr lang="en-MY" dirty="0"/>
-              <a:t>│   ├── 1.jpg</a:t>
-            </a:r>
-          </a:p>
-          <a:p>
-            <a:r>
-              <a:rPr lang="en-MY" dirty="0"/>
-              <a:t>│   └── ...</a:t>
-            </a:r>
-          </a:p>
-          <a:p>
-            <a:r>
-              <a:rPr lang="en-MY" dirty="0"/>
-              <a:t>├── </a:t>
-            </a:r>
-            <a:r>
-              <a:rPr lang="en-MY" dirty="0" err="1"/>
-              <a:t>seg</a:t>
-            </a:r>
-            <a:endParaRPr lang="en-MY" dirty="0"/>
-          </a:p>
-          <a:p>
-            <a:r>
-              <a:rPr lang="en-MY" dirty="0"/>
-              <a:t>│   ├── 0_prediction.png</a:t>
-            </a:r>
-          </a:p>
-          <a:p>
-            <a:r>
-              <a:rPr lang="en-MY" dirty="0"/>
-              <a:t>│   ├── 1_prediction.png</a:t>
-            </a:r>
-          </a:p>
-          <a:p>
-            <a:r>
-              <a:rPr lang="en-MY" dirty="0"/>
-              <a:t>│   └── ... </a:t>
-            </a:r>
-          </a:p>
-          <a:p>
-            <a:r>
-              <a:rPr lang="en-MY" dirty="0"/>
-              <a:t>├── depth</a:t>
-            </a:r>
-          </a:p>
-          <a:p>
-            <a:r>
-              <a:rPr lang="en-MY" dirty="0"/>
-              <a:t>│   ├── 0_disp.npy</a:t>
-            </a:r>
-          </a:p>
-          <a:p>
-            <a:r>
-              <a:rPr lang="en-MY" dirty="0"/>
-              <a:t>│   ├── 1_disp.npy</a:t>
-            </a:r>
-          </a:p>
-          <a:p>
-            <a:r>
-              <a:rPr lang="en-MY" dirty="0"/>
-              <a:t>│   └── ...</a:t>
-            </a:r>
-          </a:p>
-          <a:p>
-            <a:r>
-              <a:rPr lang="en-MY" dirty="0"/>
-              <a:t>└── slamData.csv</a:t>
-            </a:r>
-          </a:p>
-          <a:p>
+              <a:t>格式</a:t>
+            </a:r>
             <a:endParaRPr lang="en-MY" dirty="0"/>
           </a:p>
         </p:txBody>
@@ -8641,6 +8495,258 @@
               <a:t>的名字要對到</a:t>
             </a:r>
             <a:endParaRPr lang="en-MY" dirty="0"/>
+          </a:p>
+        </p:txBody>
+      </p:sp>
+      <p:sp>
+        <p:nvSpPr>
+          <p:cNvPr id="5" name="文字方塊 4"/>
+          <p:cNvSpPr txBox="1"/>
+          <p:nvPr/>
+        </p:nvSpPr>
+        <p:spPr>
+          <a:xfrm>
+            <a:off x="7251589" y="1204159"/>
+            <a:ext cx="1569660" cy="369332"/>
+          </a:xfrm>
+          <a:prstGeom prst="rect">
+            <a:avLst/>
+          </a:prstGeom>
+          <a:noFill/>
+        </p:spPr>
+        <p:txBody>
+          <a:bodyPr wrap="none" rtlCol="0">
+            <a:spAutoFit/>
+          </a:bodyPr>
+          <a:lstStyle/>
+          <a:p>
+            <a:r>
+              <a:rPr lang="zh-CN" altLang="en-US" dirty="0" smtClean="0"/>
+              <a:t>輸出資料格式</a:t>
+            </a:r>
+            <a:endParaRPr lang="en-MY" dirty="0"/>
+          </a:p>
+        </p:txBody>
+      </p:sp>
+      <p:sp>
+        <p:nvSpPr>
+          <p:cNvPr id="8" name="文字方塊 7"/>
+          <p:cNvSpPr txBox="1"/>
+          <p:nvPr/>
+        </p:nvSpPr>
+        <p:spPr>
+          <a:xfrm>
+            <a:off x="7251589" y="1734230"/>
+            <a:ext cx="2464136" cy="1200329"/>
+          </a:xfrm>
+          <a:prstGeom prst="rect">
+            <a:avLst/>
+          </a:prstGeom>
+          <a:noFill/>
+        </p:spPr>
+        <p:txBody>
+          <a:bodyPr wrap="none" rtlCol="0">
+            <a:spAutoFit/>
+          </a:bodyPr>
+          <a:lstStyle/>
+          <a:p>
+            <a:r>
+              <a:rPr lang="en-MY" dirty="0"/>
+              <a:t>.</a:t>
+            </a:r>
+          </a:p>
+          <a:p>
+            <a:r>
+              <a:rPr lang="en-MY" dirty="0">
+                <a:latin typeface="Consolas" panose="020B0609020204030204" pitchFamily="49" charset="0"/>
+              </a:rPr>
+              <a:t>├── </a:t>
+            </a:r>
+            <a:r>
+              <a:rPr lang="en-MY" dirty="0" smtClean="0">
+                <a:latin typeface="Consolas" panose="020B0609020204030204" pitchFamily="49" charset="0"/>
+              </a:rPr>
+              <a:t>outputMesh.obj</a:t>
+            </a:r>
+            <a:endParaRPr lang="en-MY" dirty="0">
+              <a:latin typeface="Consolas" panose="020B0609020204030204" pitchFamily="49" charset="0"/>
+            </a:endParaRPr>
+          </a:p>
+          <a:p>
+            <a:r>
+              <a:rPr lang="en-MY" dirty="0" smtClean="0">
+                <a:latin typeface="Consolas" panose="020B0609020204030204" pitchFamily="49" charset="0"/>
+              </a:rPr>
+              <a:t>└── scale.txt</a:t>
+            </a:r>
+            <a:endParaRPr lang="en-MY" dirty="0"/>
+          </a:p>
+          <a:p>
+            <a:endParaRPr lang="en-MY" dirty="0"/>
+          </a:p>
+        </p:txBody>
+      </p:sp>
+      <p:sp>
+        <p:nvSpPr>
+          <p:cNvPr id="9" name="矩形 8"/>
+          <p:cNvSpPr/>
+          <p:nvPr/>
+        </p:nvSpPr>
+        <p:spPr>
+          <a:xfrm>
+            <a:off x="742122" y="1735669"/>
+            <a:ext cx="6096000" cy="4247317"/>
+          </a:xfrm>
+          <a:prstGeom prst="rect">
+            <a:avLst/>
+          </a:prstGeom>
+        </p:spPr>
+        <p:txBody>
+          <a:bodyPr>
+            <a:spAutoFit/>
+          </a:bodyPr>
+          <a:lstStyle/>
+          <a:p>
+            <a:r>
+              <a:rPr lang="en-MY" dirty="0">
+                <a:latin typeface="Consolas" panose="020B0609020204030204" pitchFamily="49" charset="0"/>
+              </a:rPr>
+              <a:t>.</a:t>
+            </a:r>
+          </a:p>
+          <a:p>
+            <a:r>
+              <a:rPr lang="en-MY" dirty="0">
+                <a:latin typeface="Consolas" panose="020B0609020204030204" pitchFamily="49" charset="0"/>
+              </a:rPr>
+              <a:t>├── </a:t>
+            </a:r>
+            <a:r>
+              <a:rPr lang="en-MY" dirty="0" err="1">
+                <a:latin typeface="Consolas" panose="020B0609020204030204" pitchFamily="49" charset="0"/>
+              </a:rPr>
+              <a:t>rgb</a:t>
+            </a:r>
+            <a:endParaRPr lang="en-MY" dirty="0">
+              <a:latin typeface="Consolas" panose="020B0609020204030204" pitchFamily="49" charset="0"/>
+            </a:endParaRPr>
+          </a:p>
+          <a:p>
+            <a:r>
+              <a:rPr lang="en-MY" dirty="0">
+                <a:latin typeface="Consolas" panose="020B0609020204030204" pitchFamily="49" charset="0"/>
+              </a:rPr>
+              <a:t>│   ├── 0.jpg</a:t>
+            </a:r>
+          </a:p>
+          <a:p>
+            <a:r>
+              <a:rPr lang="en-MY" dirty="0">
+                <a:latin typeface="Consolas" panose="020B0609020204030204" pitchFamily="49" charset="0"/>
+              </a:rPr>
+              <a:t>│   ├── 1.jpg</a:t>
+            </a:r>
+          </a:p>
+          <a:p>
+            <a:r>
+              <a:rPr lang="en-MY" dirty="0">
+                <a:latin typeface="Consolas" panose="020B0609020204030204" pitchFamily="49" charset="0"/>
+              </a:rPr>
+              <a:t>│   └── ...</a:t>
+            </a:r>
+          </a:p>
+          <a:p>
+            <a:r>
+              <a:rPr lang="en-MY" dirty="0">
+                <a:latin typeface="Consolas" panose="020B0609020204030204" pitchFamily="49" charset="0"/>
+              </a:rPr>
+              <a:t>├── </a:t>
+            </a:r>
+            <a:r>
+              <a:rPr lang="en-MY" dirty="0" err="1">
+                <a:latin typeface="Consolas" panose="020B0609020204030204" pitchFamily="49" charset="0"/>
+              </a:rPr>
+              <a:t>seg</a:t>
+            </a:r>
+            <a:endParaRPr lang="en-MY" dirty="0">
+              <a:latin typeface="Consolas" panose="020B0609020204030204" pitchFamily="49" charset="0"/>
+            </a:endParaRPr>
+          </a:p>
+          <a:p>
+            <a:r>
+              <a:rPr lang="en-MY" dirty="0">
+                <a:latin typeface="Consolas" panose="020B0609020204030204" pitchFamily="49" charset="0"/>
+              </a:rPr>
+              <a:t>│   ├── 0_prediction.png</a:t>
+            </a:r>
+          </a:p>
+          <a:p>
+            <a:r>
+              <a:rPr lang="en-MY" dirty="0">
+                <a:latin typeface="Consolas" panose="020B0609020204030204" pitchFamily="49" charset="0"/>
+              </a:rPr>
+              <a:t>│   ├── 1_prediction.png</a:t>
+            </a:r>
+          </a:p>
+          <a:p>
+            <a:r>
+              <a:rPr lang="en-MY" dirty="0">
+                <a:latin typeface="Consolas" panose="020B0609020204030204" pitchFamily="49" charset="0"/>
+              </a:rPr>
+              <a:t>│   └── ... </a:t>
+            </a:r>
+          </a:p>
+          <a:p>
+            <a:r>
+              <a:rPr lang="en-MY" dirty="0">
+                <a:latin typeface="Consolas" panose="020B0609020204030204" pitchFamily="49" charset="0"/>
+              </a:rPr>
+              <a:t>├── depth</a:t>
+            </a:r>
+          </a:p>
+          <a:p>
+            <a:r>
+              <a:rPr lang="en-MY" dirty="0">
+                <a:latin typeface="Consolas" panose="020B0609020204030204" pitchFamily="49" charset="0"/>
+              </a:rPr>
+              <a:t>│   ├── 0_disp.npy</a:t>
+            </a:r>
+          </a:p>
+          <a:p>
+            <a:r>
+              <a:rPr lang="en-MY" dirty="0">
+                <a:latin typeface="Consolas" panose="020B0609020204030204" pitchFamily="49" charset="0"/>
+              </a:rPr>
+              <a:t>│   ├── 1_disp.npy</a:t>
+            </a:r>
+          </a:p>
+          <a:p>
+            <a:r>
+              <a:rPr lang="en-MY" dirty="0">
+                <a:latin typeface="Consolas" panose="020B0609020204030204" pitchFamily="49" charset="0"/>
+              </a:rPr>
+              <a:t>│   └── ...</a:t>
+            </a:r>
+          </a:p>
+          <a:p>
+            <a:r>
+              <a:rPr lang="en-MY" dirty="0">
+                <a:latin typeface="Consolas" panose="020B0609020204030204" pitchFamily="49" charset="0"/>
+              </a:rPr>
+              <a:t>├── slamData.csv</a:t>
+            </a:r>
+          </a:p>
+          <a:p>
+            <a:r>
+              <a:rPr lang="en-MY" dirty="0">
+                <a:latin typeface="Consolas" panose="020B0609020204030204" pitchFamily="49" charset="0"/>
+              </a:rPr>
+              <a:t>└── landmarks.csv</a:t>
+            </a:r>
+            <a:endParaRPr lang="en-MY" b="0" dirty="0">
+              <a:effectLst/>
+              <a:latin typeface="Consolas" panose="020B0609020204030204" pitchFamily="49" charset="0"/>
+            </a:endParaRPr>
           </a:p>
         </p:txBody>
       </p:sp>
@@ -9001,7 +9107,7 @@
       </p:sp>
       <p:pic>
         <p:nvPicPr>
-          <p:cNvPr id="4" name="內容版面配置區 3"/>
+          <p:cNvPr id="5" name="內容版面配置區 8"/>
           <p:cNvPicPr>
             <a:picLocks noGrp="1" noChangeAspect="1"/>
           </p:cNvPicPr>
@@ -9023,8 +9129,8 @@
         </p:blipFill>
         <p:spPr>
           <a:xfrm>
-            <a:off x="1593573" y="1797085"/>
-            <a:ext cx="7590183" cy="3429912"/>
+            <a:off x="1945015" y="1825625"/>
+            <a:ext cx="8301969" cy="4351338"/>
           </a:xfrm>
         </p:spPr>
       </p:pic>
@@ -9104,6 +9210,13 @@
   <p:transition>
     <p:fade thruBlk="1"/>
   </p:transition>
+  <p:timing>
+    <p:tnLst>
+      <p:par>
+        <p:cTn id="1" dur="indefinite" restart="never" nodeType="tmRoot"/>
+      </p:par>
+    </p:tnLst>
+  </p:timing>
 </p:sld>
 </file>
 
